--- a/파이썬 과제/1강/파이썬 1강 과제 남정현.pptx
+++ b/파이썬 과제/1강/파이썬 1강 과제 남정현.pptx
@@ -18,7 +18,6 @@
     <p:sldId id="266" r:id="rId12"/>
     <p:sldId id="267" r:id="rId13"/>
     <p:sldId id="268" r:id="rId14"/>
-    <p:sldId id="269" r:id="rId15"/>
   </p:sldIdLst>
   <p:sldSz cx="12192000" cy="6858000"/>
   <p:notesSz cx="6858000" cy="9144000"/>
@@ -117,6 +116,11 @@
       </a:defRPr>
     </a:lvl9pPr>
   </p:defaultTextStyle>
+  <p:extLst>
+    <p:ext uri="{EFAFB233-063F-42B5-8137-9DF3F51BA10A}">
+      <p15:sldGuideLst xmlns:p15="http://schemas.microsoft.com/office/powerpoint/2012/main"/>
+    </p:ext>
+  </p:extLst>
 </p:presentation>
 </file>
 
@@ -290,7 +294,7 @@
             <a:fld id="{87DE6118-2437-4B30-8E3C-4D2BE6020583}" type="datetimeFigureOut">
               <a:rPr lang="en-US" dirty="0"/>
               <a:pPr/>
-              <a:t>4/19/2023</a:t>
+              <a:t>4/20/2023</a:t>
             </a:fld>
             <a:endParaRPr lang="en-US" dirty="0"/>
           </a:p>
@@ -616,7 +620,7 @@
           <a:p>
             <a:fld id="{87DE6118-2437-4B30-8E3C-4D2BE6020583}" type="datetimeFigureOut">
               <a:rPr lang="en-US" dirty="0"/>
-              <a:t>4/19/2023</a:t>
+              <a:t>4/20/2023</a:t>
             </a:fld>
             <a:endParaRPr lang="en-US" dirty="0"/>
           </a:p>
@@ -791,7 +795,7 @@
           <a:p>
             <a:fld id="{87DE6118-2437-4B30-8E3C-4D2BE6020583}" type="datetimeFigureOut">
               <a:rPr lang="en-US" dirty="0"/>
-              <a:t>4/19/2023</a:t>
+              <a:t>4/20/2023</a:t>
             </a:fld>
             <a:endParaRPr lang="en-US" dirty="0"/>
           </a:p>
@@ -956,7 +960,7 @@
           <a:p>
             <a:fld id="{87DE6118-2437-4B30-8E3C-4D2BE6020583}" type="datetimeFigureOut">
               <a:rPr lang="en-US" dirty="0"/>
-              <a:t>4/19/2023</a:t>
+              <a:t>4/20/2023</a:t>
             </a:fld>
             <a:endParaRPr lang="en-US" dirty="0"/>
           </a:p>
@@ -1229,7 +1233,7 @@
             <a:fld id="{87DE6118-2437-4B30-8E3C-4D2BE6020583}" type="datetimeFigureOut">
               <a:rPr lang="en-US" dirty="0"/>
               <a:pPr/>
-              <a:t>4/19/2023</a:t>
+              <a:t>4/20/2023</a:t>
             </a:fld>
             <a:endParaRPr lang="en-US" dirty="0"/>
           </a:p>
@@ -1619,7 +1623,7 @@
           <a:p>
             <a:fld id="{87DE6118-2437-4B30-8E3C-4D2BE6020583}" type="datetimeFigureOut">
               <a:rPr lang="en-US" dirty="0"/>
-              <a:t>4/19/2023</a:t>
+              <a:t>4/20/2023</a:t>
             </a:fld>
             <a:endParaRPr lang="en-US" dirty="0"/>
           </a:p>
@@ -2091,7 +2095,7 @@
           <a:p>
             <a:fld id="{87DE6118-2437-4B30-8E3C-4D2BE6020583}" type="datetimeFigureOut">
               <a:rPr lang="en-US" dirty="0"/>
-              <a:t>4/19/2023</a:t>
+              <a:t>4/20/2023</a:t>
             </a:fld>
             <a:endParaRPr lang="en-US" dirty="0"/>
           </a:p>
@@ -2204,7 +2208,7 @@
           <a:p>
             <a:fld id="{87DE6118-2437-4B30-8E3C-4D2BE6020583}" type="datetimeFigureOut">
               <a:rPr lang="en-US" dirty="0"/>
-              <a:t>4/19/2023</a:t>
+              <a:t>4/20/2023</a:t>
             </a:fld>
             <a:endParaRPr lang="en-US" dirty="0"/>
           </a:p>
@@ -2294,7 +2298,7 @@
           <a:p>
             <a:fld id="{87DE6118-2437-4B30-8E3C-4D2BE6020583}" type="datetimeFigureOut">
               <a:rPr lang="en-US" dirty="0"/>
-              <a:t>4/19/2023</a:t>
+              <a:t>4/20/2023</a:t>
             </a:fld>
             <a:endParaRPr lang="en-US" dirty="0"/>
           </a:p>
@@ -2636,7 +2640,7 @@
             <a:fld id="{87DE6118-2437-4B30-8E3C-4D2BE6020583}" type="datetimeFigureOut">
               <a:rPr lang="en-US" dirty="0"/>
               <a:pPr/>
-              <a:t>4/19/2023</a:t>
+              <a:t>4/20/2023</a:t>
             </a:fld>
             <a:endParaRPr lang="en-US" dirty="0"/>
           </a:p>
@@ -3021,7 +3025,7 @@
             <a:fld id="{87DE6118-2437-4B30-8E3C-4D2BE6020583}" type="datetimeFigureOut">
               <a:rPr lang="en-US" dirty="0"/>
               <a:pPr/>
-              <a:t>4/19/2023</a:t>
+              <a:t>4/20/2023</a:t>
             </a:fld>
             <a:endParaRPr lang="en-US" dirty="0"/>
           </a:p>
@@ -3296,7 +3300,7 @@
             <a:fld id="{87DE6118-2437-4B30-8E3C-4D2BE6020583}" type="datetimeFigureOut">
               <a:rPr lang="en-US" dirty="0"/>
               <a:pPr/>
-              <a:t>4/19/2023</a:t>
+              <a:t>4/20/2023</a:t>
             </a:fld>
             <a:endParaRPr lang="en-US" dirty="0"/>
           </a:p>
@@ -3906,7 +3910,7 @@
       </p:sp>
       <p:pic>
         <p:nvPicPr>
-          <p:cNvPr id="2" name="그림 1"/>
+          <p:cNvPr id="6" name="그림 5"/>
           <p:cNvPicPr>
             <a:picLocks noChangeAspect="1"/>
           </p:cNvPicPr>
@@ -3920,106 +3924,14 @@
         </p:blipFill>
         <p:spPr>
           <a:xfrm>
-            <a:off x="705852" y="300789"/>
-            <a:ext cx="8436796" cy="5839326"/>
+            <a:off x="4043022" y="1404710"/>
+            <a:ext cx="4471620" cy="3792519"/>
           </a:xfrm>
           <a:prstGeom prst="rect">
             <a:avLst/>
           </a:prstGeom>
         </p:spPr>
       </p:pic>
-      <p:sp>
-        <p:nvSpPr>
-          <p:cNvPr id="3" name="직사각형 2"/>
-          <p:cNvSpPr/>
-          <p:nvPr/>
-        </p:nvSpPr>
-        <p:spPr>
-          <a:xfrm>
-            <a:off x="1138989" y="705853"/>
-            <a:ext cx="1130969" cy="737936"/>
-          </a:xfrm>
-          <a:prstGeom prst="rect">
-            <a:avLst/>
-          </a:prstGeom>
-          <a:noFill/>
-          <a:ln>
-            <a:solidFill>
-              <a:srgbClr val="FF0000"/>
-            </a:solidFill>
-          </a:ln>
-        </p:spPr>
-        <p:style>
-          <a:lnRef idx="2">
-            <a:schemeClr val="accent1">
-              <a:shade val="50000"/>
-            </a:schemeClr>
-          </a:lnRef>
-          <a:fillRef idx="1">
-            <a:schemeClr val="accent1"/>
-          </a:fillRef>
-          <a:effectRef idx="0">
-            <a:schemeClr val="accent1"/>
-          </a:effectRef>
-          <a:fontRef idx="minor">
-            <a:schemeClr val="lt1"/>
-          </a:fontRef>
-        </p:style>
-        <p:txBody>
-          <a:bodyPr rtlCol="0" anchor="ctr"/>
-          <a:lstStyle/>
-          <a:p>
-            <a:pPr algn="ctr"/>
-            <a:endParaRPr lang="ko-KR" altLang="en-US"/>
-          </a:p>
-        </p:txBody>
-      </p:sp>
-      <p:sp>
-        <p:nvSpPr>
-          <p:cNvPr id="4" name="직사각형 3"/>
-          <p:cNvSpPr/>
-          <p:nvPr/>
-        </p:nvSpPr>
-        <p:spPr>
-          <a:xfrm>
-            <a:off x="1066800" y="4940968"/>
-            <a:ext cx="368968" cy="521369"/>
-          </a:xfrm>
-          <a:prstGeom prst="rect">
-            <a:avLst/>
-          </a:prstGeom>
-          <a:noFill/>
-          <a:ln>
-            <a:solidFill>
-              <a:srgbClr val="FF0000"/>
-            </a:solidFill>
-          </a:ln>
-        </p:spPr>
-        <p:style>
-          <a:lnRef idx="2">
-            <a:schemeClr val="accent1">
-              <a:shade val="50000"/>
-            </a:schemeClr>
-          </a:lnRef>
-          <a:fillRef idx="1">
-            <a:schemeClr val="accent1"/>
-          </a:fillRef>
-          <a:effectRef idx="0">
-            <a:schemeClr val="accent1"/>
-          </a:effectRef>
-          <a:fontRef idx="minor">
-            <a:schemeClr val="lt1"/>
-          </a:fontRef>
-        </p:style>
-        <p:txBody>
-          <a:bodyPr rtlCol="0" anchor="ctr"/>
-          <a:lstStyle/>
-          <a:p>
-            <a:pPr algn="ctr"/>
-            <a:endParaRPr lang="ko-KR" altLang="en-US"/>
-          </a:p>
-        </p:txBody>
-      </p:sp>
     </p:spTree>
     <p:extLst>
       <p:ext uri="{BB962C8B-B14F-4D97-AF65-F5344CB8AC3E}">
@@ -4102,7 +4014,7 @@
       </p:sp>
       <p:pic>
         <p:nvPicPr>
-          <p:cNvPr id="2" name="그림 1"/>
+          <p:cNvPr id="7" name="그림 6"/>
           <p:cNvPicPr>
             <a:picLocks noChangeAspect="1"/>
           </p:cNvPicPr>
@@ -4116,106 +4028,14 @@
         </p:blipFill>
         <p:spPr>
           <a:xfrm>
-            <a:off x="4497177" y="0"/>
-            <a:ext cx="3197646" cy="6858000"/>
+            <a:off x="4001083" y="1367700"/>
+            <a:ext cx="4582587" cy="3985838"/>
           </a:xfrm>
           <a:prstGeom prst="rect">
             <a:avLst/>
           </a:prstGeom>
         </p:spPr>
       </p:pic>
-      <p:sp>
-        <p:nvSpPr>
-          <p:cNvPr id="3" name="직사각형 2"/>
-          <p:cNvSpPr/>
-          <p:nvPr/>
-        </p:nvSpPr>
-        <p:spPr>
-          <a:xfrm>
-            <a:off x="4580021" y="6513094"/>
-            <a:ext cx="1933074" cy="192505"/>
-          </a:xfrm>
-          <a:prstGeom prst="rect">
-            <a:avLst/>
-          </a:prstGeom>
-          <a:noFill/>
-          <a:ln>
-            <a:solidFill>
-              <a:srgbClr val="FF0000"/>
-            </a:solidFill>
-          </a:ln>
-        </p:spPr>
-        <p:style>
-          <a:lnRef idx="2">
-            <a:schemeClr val="accent1">
-              <a:shade val="50000"/>
-            </a:schemeClr>
-          </a:lnRef>
-          <a:fillRef idx="1">
-            <a:schemeClr val="accent1"/>
-          </a:fillRef>
-          <a:effectRef idx="0">
-            <a:schemeClr val="accent1"/>
-          </a:effectRef>
-          <a:fontRef idx="minor">
-            <a:schemeClr val="lt1"/>
-          </a:fontRef>
-        </p:style>
-        <p:txBody>
-          <a:bodyPr rtlCol="0" anchor="ctr"/>
-          <a:lstStyle/>
-          <a:p>
-            <a:pPr algn="ctr"/>
-            <a:endParaRPr lang="ko-KR" altLang="en-US"/>
-          </a:p>
-        </p:txBody>
-      </p:sp>
-      <p:sp>
-        <p:nvSpPr>
-          <p:cNvPr id="4" name="직사각형 3"/>
-          <p:cNvSpPr/>
-          <p:nvPr/>
-        </p:nvSpPr>
-        <p:spPr>
-          <a:xfrm>
-            <a:off x="4932947" y="401053"/>
-            <a:ext cx="1900990" cy="1491915"/>
-          </a:xfrm>
-          <a:prstGeom prst="rect">
-            <a:avLst/>
-          </a:prstGeom>
-          <a:noFill/>
-          <a:ln>
-            <a:solidFill>
-              <a:srgbClr val="FF0000"/>
-            </a:solidFill>
-          </a:ln>
-        </p:spPr>
-        <p:style>
-          <a:lnRef idx="2">
-            <a:schemeClr val="accent1">
-              <a:shade val="50000"/>
-            </a:schemeClr>
-          </a:lnRef>
-          <a:fillRef idx="1">
-            <a:schemeClr val="accent1"/>
-          </a:fillRef>
-          <a:effectRef idx="0">
-            <a:schemeClr val="accent1"/>
-          </a:effectRef>
-          <a:fontRef idx="minor">
-            <a:schemeClr val="lt1"/>
-          </a:fontRef>
-        </p:style>
-        <p:txBody>
-          <a:bodyPr rtlCol="0" anchor="ctr"/>
-          <a:lstStyle/>
-          <a:p>
-            <a:pPr algn="ctr"/>
-            <a:endParaRPr lang="ko-KR" altLang="en-US"/>
-          </a:p>
-        </p:txBody>
-      </p:sp>
     </p:spTree>
     <p:extLst>
       <p:ext uri="{BB962C8B-B14F-4D97-AF65-F5344CB8AC3E}">
@@ -4294,7 +4114,7 @@
       </p:sp>
       <p:pic>
         <p:nvPicPr>
-          <p:cNvPr id="2" name="그림 1"/>
+          <p:cNvPr id="8" name="그림 7"/>
           <p:cNvPicPr>
             <a:picLocks noChangeAspect="1"/>
           </p:cNvPicPr>
@@ -4308,106 +4128,14 @@
         </p:blipFill>
         <p:spPr>
           <a:xfrm>
-            <a:off x="4940668" y="0"/>
-            <a:ext cx="3385484" cy="6858000"/>
+            <a:off x="3673577" y="1288714"/>
+            <a:ext cx="5217021" cy="4244578"/>
           </a:xfrm>
           <a:prstGeom prst="rect">
             <a:avLst/>
           </a:prstGeom>
         </p:spPr>
       </p:pic>
-      <p:sp>
-        <p:nvSpPr>
-          <p:cNvPr id="3" name="직사각형 2"/>
-          <p:cNvSpPr/>
-          <p:nvPr/>
-        </p:nvSpPr>
-        <p:spPr>
-          <a:xfrm>
-            <a:off x="5045242" y="6047874"/>
-            <a:ext cx="401053" cy="810126"/>
-          </a:xfrm>
-          <a:prstGeom prst="rect">
-            <a:avLst/>
-          </a:prstGeom>
-          <a:noFill/>
-          <a:ln>
-            <a:solidFill>
-              <a:srgbClr val="FF0000"/>
-            </a:solidFill>
-          </a:ln>
-        </p:spPr>
-        <p:style>
-          <a:lnRef idx="2">
-            <a:schemeClr val="accent1">
-              <a:shade val="50000"/>
-            </a:schemeClr>
-          </a:lnRef>
-          <a:fillRef idx="1">
-            <a:schemeClr val="accent1"/>
-          </a:fillRef>
-          <a:effectRef idx="0">
-            <a:schemeClr val="accent1"/>
-          </a:effectRef>
-          <a:fontRef idx="minor">
-            <a:schemeClr val="lt1"/>
-          </a:fontRef>
-        </p:style>
-        <p:txBody>
-          <a:bodyPr rtlCol="0" anchor="ctr"/>
-          <a:lstStyle/>
-          <a:p>
-            <a:pPr algn="ctr"/>
-            <a:endParaRPr lang="ko-KR" altLang="en-US"/>
-          </a:p>
-        </p:txBody>
-      </p:sp>
-      <p:sp>
-        <p:nvSpPr>
-          <p:cNvPr id="4" name="직사각형 3"/>
-          <p:cNvSpPr/>
-          <p:nvPr/>
-        </p:nvSpPr>
-        <p:spPr>
-          <a:xfrm>
-            <a:off x="5446295" y="473242"/>
-            <a:ext cx="1604210" cy="385011"/>
-          </a:xfrm>
-          <a:prstGeom prst="rect">
-            <a:avLst/>
-          </a:prstGeom>
-          <a:noFill/>
-          <a:ln>
-            <a:solidFill>
-              <a:srgbClr val="FF0000"/>
-            </a:solidFill>
-          </a:ln>
-        </p:spPr>
-        <p:style>
-          <a:lnRef idx="2">
-            <a:schemeClr val="accent1">
-              <a:shade val="50000"/>
-            </a:schemeClr>
-          </a:lnRef>
-          <a:fillRef idx="1">
-            <a:schemeClr val="accent1"/>
-          </a:fillRef>
-          <a:effectRef idx="0">
-            <a:schemeClr val="accent1"/>
-          </a:effectRef>
-          <a:fontRef idx="minor">
-            <a:schemeClr val="lt1"/>
-          </a:fontRef>
-        </p:style>
-        <p:txBody>
-          <a:bodyPr rtlCol="0" anchor="ctr"/>
-          <a:lstStyle/>
-          <a:p>
-            <a:pPr algn="ctr"/>
-            <a:endParaRPr lang="ko-KR" altLang="en-US"/>
-          </a:p>
-        </p:txBody>
-      </p:sp>
     </p:spTree>
     <p:extLst>
       <p:ext uri="{BB962C8B-B14F-4D97-AF65-F5344CB8AC3E}">
@@ -4468,69 +4196,34 @@
           </a:p>
         </p:txBody>
       </p:sp>
+      <p:pic>
+        <p:nvPicPr>
+          <p:cNvPr id="2" name="그림 1"/>
+          <p:cNvPicPr>
+            <a:picLocks noChangeAspect="1"/>
+          </p:cNvPicPr>
+          <p:nvPr/>
+        </p:nvPicPr>
+        <p:blipFill>
+          <a:blip r:embed="rId2"/>
+          <a:stretch>
+            <a:fillRect/>
+          </a:stretch>
+        </p:blipFill>
+        <p:spPr>
+          <a:xfrm>
+            <a:off x="4303352" y="0"/>
+            <a:ext cx="5310188" cy="6858000"/>
+          </a:xfrm>
+          <a:prstGeom prst="rect">
+            <a:avLst/>
+          </a:prstGeom>
+        </p:spPr>
+      </p:pic>
     </p:spTree>
     <p:extLst>
       <p:ext uri="{BB962C8B-B14F-4D97-AF65-F5344CB8AC3E}">
         <p14:creationId xmlns:p14="http://schemas.microsoft.com/office/powerpoint/2010/main" val="3327193717"/>
-      </p:ext>
-    </p:extLst>
-  </p:cSld>
-  <p:clrMapOvr>
-    <a:masterClrMapping/>
-  </p:clrMapOvr>
-</p:sld>
-</file>
-
-<file path=ppt/slides/slide14.xml><?xml version="1.0" encoding="utf-8"?>
-<p:sld xmlns:a="http://schemas.openxmlformats.org/drawingml/2006/main" xmlns:r="http://schemas.openxmlformats.org/officeDocument/2006/relationships" xmlns:p="http://schemas.openxmlformats.org/presentationml/2006/main">
-  <p:cSld>
-    <p:spTree>
-      <p:nvGrpSpPr>
-        <p:cNvPr id="1" name=""/>
-        <p:cNvGrpSpPr/>
-        <p:nvPr/>
-      </p:nvGrpSpPr>
-      <p:grpSpPr>
-        <a:xfrm>
-          <a:off x="0" y="0"/>
-          <a:ext cx="0" cy="0"/>
-          <a:chOff x="0" y="0"/>
-          <a:chExt cx="0" cy="0"/>
-        </a:xfrm>
-      </p:grpSpPr>
-      <p:sp>
-        <p:nvSpPr>
-          <p:cNvPr id="5" name="제목 1"/>
-          <p:cNvSpPr>
-            <a:spLocks noGrp="1"/>
-          </p:cNvSpPr>
-          <p:nvPr>
-            <p:ph type="title"/>
-          </p:nvPr>
-        </p:nvSpPr>
-        <p:spPr>
-          <a:xfrm>
-            <a:off x="705852" y="0"/>
-            <a:ext cx="9601200" cy="300789"/>
-          </a:xfrm>
-        </p:spPr>
-        <p:txBody>
-          <a:bodyPr>
-            <a:normAutofit fontScale="90000"/>
-          </a:bodyPr>
-          <a:lstStyle/>
-          <a:p>
-            <a:r>
-              <a:rPr lang="ko-KR" altLang="en-US" sz="1800" dirty="0"/>
-              <a:t>정리하기</a:t>
-            </a:r>
-          </a:p>
-        </p:txBody>
-      </p:sp>
-    </p:spTree>
-    <p:extLst>
-      <p:ext uri="{BB962C8B-B14F-4D97-AF65-F5344CB8AC3E}">
-        <p14:creationId xmlns:p14="http://schemas.microsoft.com/office/powerpoint/2010/main" val="818720924"/>
       </p:ext>
     </p:extLst>
   </p:cSld>

--- a/파이썬 과제/1강/파이썬 1강 과제 남정현.pptx
+++ b/파이썬 과제/1강/파이썬 1강 과제 남정현.pptx
@@ -180,7 +180,7 @@
           </a:lstStyle>
           <a:p>
             <a:r>
-              <a:rPr lang="ko-KR" altLang="en-US" smtClean="0"/>
+              <a:rPr lang="ko-KR" altLang="en-US"/>
               <a:t>마스터 제목 스타일 편집</a:t>
             </a:r>
             <a:endParaRPr lang="en-US" dirty="0"/>
@@ -256,7 +256,7 @@
           </a:lstStyle>
           <a:p>
             <a:r>
-              <a:rPr lang="ko-KR" altLang="en-US" smtClean="0"/>
+              <a:rPr lang="ko-KR" altLang="en-US"/>
               <a:t>마스터 부제목 스타일 편집</a:t>
             </a:r>
             <a:endParaRPr lang="en-US" dirty="0"/>
@@ -294,7 +294,7 @@
             <a:fld id="{87DE6118-2437-4B30-8E3C-4D2BE6020583}" type="datetimeFigureOut">
               <a:rPr lang="en-US" dirty="0"/>
               <a:pPr/>
-              <a:t>4/20/2023</a:t>
+              <a:t>4/25/2023</a:t>
             </a:fld>
             <a:endParaRPr lang="en-US" dirty="0"/>
           </a:p>
@@ -539,7 +539,7 @@
           <a:lstStyle/>
           <a:p>
             <a:r>
-              <a:rPr lang="ko-KR" altLang="en-US" smtClean="0"/>
+              <a:rPr lang="ko-KR" altLang="en-US"/>
               <a:t>마스터 제목 스타일 편집</a:t>
             </a:r>
             <a:endParaRPr lang="en-US" dirty="0"/>
@@ -568,35 +568,35 @@
           <a:p>
             <a:pPr lvl="0"/>
             <a:r>
-              <a:rPr lang="ko-KR" altLang="en-US" smtClean="0"/>
+              <a:rPr lang="ko-KR" altLang="en-US"/>
               <a:t>마스터 텍스트 스타일을 편집합니다</a:t>
             </a:r>
           </a:p>
           <a:p>
             <a:pPr lvl="1"/>
             <a:r>
-              <a:rPr lang="ko-KR" altLang="en-US" smtClean="0"/>
+              <a:rPr lang="ko-KR" altLang="en-US"/>
               <a:t>둘째 수준</a:t>
             </a:r>
           </a:p>
           <a:p>
             <a:pPr lvl="2"/>
             <a:r>
-              <a:rPr lang="ko-KR" altLang="en-US" smtClean="0"/>
+              <a:rPr lang="ko-KR" altLang="en-US"/>
               <a:t>셋째 수준</a:t>
             </a:r>
           </a:p>
           <a:p>
             <a:pPr lvl="3"/>
             <a:r>
-              <a:rPr lang="ko-KR" altLang="en-US" smtClean="0"/>
+              <a:rPr lang="ko-KR" altLang="en-US"/>
               <a:t>넷째 수준</a:t>
             </a:r>
           </a:p>
           <a:p>
             <a:pPr lvl="4"/>
             <a:r>
-              <a:rPr lang="ko-KR" altLang="en-US" smtClean="0"/>
+              <a:rPr lang="ko-KR" altLang="en-US"/>
               <a:t>다섯째 수준</a:t>
             </a:r>
             <a:endParaRPr lang="en-US" dirty="0"/>
@@ -620,7 +620,7 @@
           <a:p>
             <a:fld id="{87DE6118-2437-4B30-8E3C-4D2BE6020583}" type="datetimeFigureOut">
               <a:rPr lang="en-US" dirty="0"/>
-              <a:t>4/20/2023</a:t>
+              <a:t>4/25/2023</a:t>
             </a:fld>
             <a:endParaRPr lang="en-US" dirty="0"/>
           </a:p>
@@ -714,7 +714,7 @@
           <a:lstStyle/>
           <a:p>
             <a:r>
-              <a:rPr lang="ko-KR" altLang="en-US" smtClean="0"/>
+              <a:rPr lang="ko-KR" altLang="en-US"/>
               <a:t>마스터 제목 스타일 편집</a:t>
             </a:r>
             <a:endParaRPr lang="en-US" dirty="0"/>
@@ -743,35 +743,35 @@
           <a:p>
             <a:pPr lvl="0"/>
             <a:r>
-              <a:rPr lang="ko-KR" altLang="en-US" smtClean="0"/>
+              <a:rPr lang="ko-KR" altLang="en-US"/>
               <a:t>마스터 텍스트 스타일을 편집합니다</a:t>
             </a:r>
           </a:p>
           <a:p>
             <a:pPr lvl="1"/>
             <a:r>
-              <a:rPr lang="ko-KR" altLang="en-US" smtClean="0"/>
+              <a:rPr lang="ko-KR" altLang="en-US"/>
               <a:t>둘째 수준</a:t>
             </a:r>
           </a:p>
           <a:p>
             <a:pPr lvl="2"/>
             <a:r>
-              <a:rPr lang="ko-KR" altLang="en-US" smtClean="0"/>
+              <a:rPr lang="ko-KR" altLang="en-US"/>
               <a:t>셋째 수준</a:t>
             </a:r>
           </a:p>
           <a:p>
             <a:pPr lvl="3"/>
             <a:r>
-              <a:rPr lang="ko-KR" altLang="en-US" smtClean="0"/>
+              <a:rPr lang="ko-KR" altLang="en-US"/>
               <a:t>넷째 수준</a:t>
             </a:r>
           </a:p>
           <a:p>
             <a:pPr lvl="4"/>
             <a:r>
-              <a:rPr lang="ko-KR" altLang="en-US" smtClean="0"/>
+              <a:rPr lang="ko-KR" altLang="en-US"/>
               <a:t>다섯째 수준</a:t>
             </a:r>
             <a:endParaRPr lang="en-US" dirty="0"/>
@@ -795,7 +795,7 @@
           <a:p>
             <a:fld id="{87DE6118-2437-4B30-8E3C-4D2BE6020583}" type="datetimeFigureOut">
               <a:rPr lang="en-US" dirty="0"/>
-              <a:t>4/20/2023</a:t>
+              <a:t>4/25/2023</a:t>
             </a:fld>
             <a:endParaRPr lang="en-US" dirty="0"/>
           </a:p>
@@ -884,7 +884,7 @@
           <a:lstStyle/>
           <a:p>
             <a:r>
-              <a:rPr lang="ko-KR" altLang="en-US" smtClean="0"/>
+              <a:rPr lang="ko-KR" altLang="en-US"/>
               <a:t>마스터 제목 스타일 편집</a:t>
             </a:r>
             <a:endParaRPr lang="en-US" dirty="0"/>
@@ -908,35 +908,35 @@
           <a:p>
             <a:pPr lvl="0"/>
             <a:r>
-              <a:rPr lang="ko-KR" altLang="en-US" smtClean="0"/>
+              <a:rPr lang="ko-KR" altLang="en-US"/>
               <a:t>마스터 텍스트 스타일을 편집합니다</a:t>
             </a:r>
           </a:p>
           <a:p>
             <a:pPr lvl="1"/>
             <a:r>
-              <a:rPr lang="ko-KR" altLang="en-US" smtClean="0"/>
+              <a:rPr lang="ko-KR" altLang="en-US"/>
               <a:t>둘째 수준</a:t>
             </a:r>
           </a:p>
           <a:p>
             <a:pPr lvl="2"/>
             <a:r>
-              <a:rPr lang="ko-KR" altLang="en-US" smtClean="0"/>
+              <a:rPr lang="ko-KR" altLang="en-US"/>
               <a:t>셋째 수준</a:t>
             </a:r>
           </a:p>
           <a:p>
             <a:pPr lvl="3"/>
             <a:r>
-              <a:rPr lang="ko-KR" altLang="en-US" smtClean="0"/>
+              <a:rPr lang="ko-KR" altLang="en-US"/>
               <a:t>넷째 수준</a:t>
             </a:r>
           </a:p>
           <a:p>
             <a:pPr lvl="4"/>
             <a:r>
-              <a:rPr lang="ko-KR" altLang="en-US" smtClean="0"/>
+              <a:rPr lang="ko-KR" altLang="en-US"/>
               <a:t>다섯째 수준</a:t>
             </a:r>
             <a:endParaRPr lang="en-US" dirty="0"/>
@@ -960,7 +960,7 @@
           <a:p>
             <a:fld id="{87DE6118-2437-4B30-8E3C-4D2BE6020583}" type="datetimeFigureOut">
               <a:rPr lang="en-US" dirty="0"/>
-              <a:t>4/20/2023</a:t>
+              <a:t>4/25/2023</a:t>
             </a:fld>
             <a:endParaRPr lang="en-US" dirty="0"/>
           </a:p>
@@ -1069,7 +1069,7 @@
           </a:lstStyle>
           <a:p>
             <a:r>
-              <a:rPr lang="ko-KR" altLang="en-US" smtClean="0"/>
+              <a:rPr lang="ko-KR" altLang="en-US"/>
               <a:t>마스터 제목 스타일 편집</a:t>
             </a:r>
             <a:endParaRPr lang="en-US" dirty="0"/>
@@ -1196,7 +1196,7 @@
           <a:p>
             <a:pPr lvl="0"/>
             <a:r>
-              <a:rPr lang="ko-KR" altLang="en-US" smtClean="0"/>
+              <a:rPr lang="ko-KR" altLang="en-US"/>
               <a:t>마스터 텍스트 스타일을 편집합니다</a:t>
             </a:r>
           </a:p>
@@ -1233,7 +1233,7 @@
             <a:fld id="{87DE6118-2437-4B30-8E3C-4D2BE6020583}" type="datetimeFigureOut">
               <a:rPr lang="en-US" dirty="0"/>
               <a:pPr/>
-              <a:t>4/20/2023</a:t>
+              <a:t>4/25/2023</a:t>
             </a:fld>
             <a:endParaRPr lang="en-US" dirty="0"/>
           </a:p>
@@ -1413,7 +1413,7 @@
           </a:lstStyle>
           <a:p>
             <a:r>
-              <a:rPr lang="ko-KR" altLang="en-US" smtClean="0"/>
+              <a:rPr lang="ko-KR" altLang="en-US"/>
               <a:t>마스터 제목 스타일 편집</a:t>
             </a:r>
             <a:endParaRPr lang="en-US" dirty="0"/>
@@ -1478,35 +1478,35 @@
           <a:p>
             <a:pPr lvl="0"/>
             <a:r>
-              <a:rPr lang="ko-KR" altLang="en-US" smtClean="0"/>
+              <a:rPr lang="ko-KR" altLang="en-US"/>
               <a:t>마스터 텍스트 스타일을 편집합니다</a:t>
             </a:r>
           </a:p>
           <a:p>
             <a:pPr lvl="1"/>
             <a:r>
-              <a:rPr lang="ko-KR" altLang="en-US" smtClean="0"/>
+              <a:rPr lang="ko-KR" altLang="en-US"/>
               <a:t>둘째 수준</a:t>
             </a:r>
           </a:p>
           <a:p>
             <a:pPr lvl="2"/>
             <a:r>
-              <a:rPr lang="ko-KR" altLang="en-US" smtClean="0"/>
+              <a:rPr lang="ko-KR" altLang="en-US"/>
               <a:t>셋째 수준</a:t>
             </a:r>
           </a:p>
           <a:p>
             <a:pPr lvl="3"/>
             <a:r>
-              <a:rPr lang="ko-KR" altLang="en-US" smtClean="0"/>
+              <a:rPr lang="ko-KR" altLang="en-US"/>
               <a:t>넷째 수준</a:t>
             </a:r>
           </a:p>
           <a:p>
             <a:pPr lvl="4"/>
             <a:r>
-              <a:rPr lang="ko-KR" altLang="en-US" smtClean="0"/>
+              <a:rPr lang="ko-KR" altLang="en-US"/>
               <a:t>다섯째 수준</a:t>
             </a:r>
             <a:endParaRPr lang="en-US" dirty="0"/>
@@ -1571,35 +1571,35 @@
           <a:p>
             <a:pPr lvl="0"/>
             <a:r>
-              <a:rPr lang="ko-KR" altLang="en-US" smtClean="0"/>
+              <a:rPr lang="ko-KR" altLang="en-US"/>
               <a:t>마스터 텍스트 스타일을 편집합니다</a:t>
             </a:r>
           </a:p>
           <a:p>
             <a:pPr lvl="1"/>
             <a:r>
-              <a:rPr lang="ko-KR" altLang="en-US" smtClean="0"/>
+              <a:rPr lang="ko-KR" altLang="en-US"/>
               <a:t>둘째 수준</a:t>
             </a:r>
           </a:p>
           <a:p>
             <a:pPr lvl="2"/>
             <a:r>
-              <a:rPr lang="ko-KR" altLang="en-US" smtClean="0"/>
+              <a:rPr lang="ko-KR" altLang="en-US"/>
               <a:t>셋째 수준</a:t>
             </a:r>
           </a:p>
           <a:p>
             <a:pPr lvl="3"/>
             <a:r>
-              <a:rPr lang="ko-KR" altLang="en-US" smtClean="0"/>
+              <a:rPr lang="ko-KR" altLang="en-US"/>
               <a:t>넷째 수준</a:t>
             </a:r>
           </a:p>
           <a:p>
             <a:pPr lvl="4"/>
             <a:r>
-              <a:rPr lang="ko-KR" altLang="en-US" smtClean="0"/>
+              <a:rPr lang="ko-KR" altLang="en-US"/>
               <a:t>다섯째 수준</a:t>
             </a:r>
             <a:endParaRPr lang="en-US" dirty="0"/>
@@ -1623,7 +1623,7 @@
           <a:p>
             <a:fld id="{87DE6118-2437-4B30-8E3C-4D2BE6020583}" type="datetimeFigureOut">
               <a:rPr lang="en-US" dirty="0"/>
-              <a:t>4/20/2023</a:t>
+              <a:t>4/25/2023</a:t>
             </a:fld>
             <a:endParaRPr lang="en-US" dirty="0"/>
           </a:p>
@@ -1725,7 +1725,7 @@
           </a:lstStyle>
           <a:p>
             <a:r>
-              <a:rPr lang="ko-KR" altLang="en-US" smtClean="0"/>
+              <a:rPr lang="ko-KR" altLang="en-US"/>
               <a:t>마스터 제목 스타일 편집</a:t>
             </a:r>
             <a:endParaRPr lang="en-US" dirty="0"/>
@@ -1806,7 +1806,7 @@
           <a:p>
             <a:pPr lvl="0"/>
             <a:r>
-              <a:rPr lang="ko-KR" altLang="en-US" smtClean="0"/>
+              <a:rPr lang="ko-KR" altLang="en-US"/>
               <a:t>마스터 텍스트 스타일을 편집합니다</a:t>
             </a:r>
           </a:p>
@@ -1870,35 +1870,35 @@
           <a:p>
             <a:pPr lvl="0"/>
             <a:r>
-              <a:rPr lang="ko-KR" altLang="en-US" smtClean="0"/>
+              <a:rPr lang="ko-KR" altLang="en-US"/>
               <a:t>마스터 텍스트 스타일을 편집합니다</a:t>
             </a:r>
           </a:p>
           <a:p>
             <a:pPr lvl="1"/>
             <a:r>
-              <a:rPr lang="ko-KR" altLang="en-US" smtClean="0"/>
+              <a:rPr lang="ko-KR" altLang="en-US"/>
               <a:t>둘째 수준</a:t>
             </a:r>
           </a:p>
           <a:p>
             <a:pPr lvl="2"/>
             <a:r>
-              <a:rPr lang="ko-KR" altLang="en-US" smtClean="0"/>
+              <a:rPr lang="ko-KR" altLang="en-US"/>
               <a:t>셋째 수준</a:t>
             </a:r>
           </a:p>
           <a:p>
             <a:pPr lvl="3"/>
             <a:r>
-              <a:rPr lang="ko-KR" altLang="en-US" smtClean="0"/>
+              <a:rPr lang="ko-KR" altLang="en-US"/>
               <a:t>넷째 수준</a:t>
             </a:r>
           </a:p>
           <a:p>
             <a:pPr lvl="4"/>
             <a:r>
-              <a:rPr lang="ko-KR" altLang="en-US" smtClean="0"/>
+              <a:rPr lang="ko-KR" altLang="en-US"/>
               <a:t>다섯째 수준</a:t>
             </a:r>
             <a:endParaRPr lang="en-US" dirty="0"/>
@@ -1979,7 +1979,7 @@
           <a:p>
             <a:pPr lvl="0"/>
             <a:r>
-              <a:rPr lang="ko-KR" altLang="en-US" smtClean="0"/>
+              <a:rPr lang="ko-KR" altLang="en-US"/>
               <a:t>마스터 텍스트 스타일을 편집합니다</a:t>
             </a:r>
           </a:p>
@@ -2043,35 +2043,35 @@
           <a:p>
             <a:pPr lvl="0"/>
             <a:r>
-              <a:rPr lang="ko-KR" altLang="en-US" smtClean="0"/>
+              <a:rPr lang="ko-KR" altLang="en-US"/>
               <a:t>마스터 텍스트 스타일을 편집합니다</a:t>
             </a:r>
           </a:p>
           <a:p>
             <a:pPr lvl="1"/>
             <a:r>
-              <a:rPr lang="ko-KR" altLang="en-US" smtClean="0"/>
+              <a:rPr lang="ko-KR" altLang="en-US"/>
               <a:t>둘째 수준</a:t>
             </a:r>
           </a:p>
           <a:p>
             <a:pPr lvl="2"/>
             <a:r>
-              <a:rPr lang="ko-KR" altLang="en-US" smtClean="0"/>
+              <a:rPr lang="ko-KR" altLang="en-US"/>
               <a:t>셋째 수준</a:t>
             </a:r>
           </a:p>
           <a:p>
             <a:pPr lvl="3"/>
             <a:r>
-              <a:rPr lang="ko-KR" altLang="en-US" smtClean="0"/>
+              <a:rPr lang="ko-KR" altLang="en-US"/>
               <a:t>넷째 수준</a:t>
             </a:r>
           </a:p>
           <a:p>
             <a:pPr lvl="4"/>
             <a:r>
-              <a:rPr lang="ko-KR" altLang="en-US" smtClean="0"/>
+              <a:rPr lang="ko-KR" altLang="en-US"/>
               <a:t>다섯째 수준</a:t>
             </a:r>
             <a:endParaRPr lang="en-US" dirty="0"/>
@@ -2095,7 +2095,7 @@
           <a:p>
             <a:fld id="{87DE6118-2437-4B30-8E3C-4D2BE6020583}" type="datetimeFigureOut">
               <a:rPr lang="en-US" dirty="0"/>
-              <a:t>4/20/2023</a:t>
+              <a:t>4/25/2023</a:t>
             </a:fld>
             <a:endParaRPr lang="en-US" dirty="0"/>
           </a:p>
@@ -2184,7 +2184,7 @@
           <a:lstStyle/>
           <a:p>
             <a:r>
-              <a:rPr lang="ko-KR" altLang="en-US" smtClean="0"/>
+              <a:rPr lang="ko-KR" altLang="en-US"/>
               <a:t>마스터 제목 스타일 편집</a:t>
             </a:r>
             <a:endParaRPr lang="en-US" dirty="0"/>
@@ -2208,7 +2208,7 @@
           <a:p>
             <a:fld id="{87DE6118-2437-4B30-8E3C-4D2BE6020583}" type="datetimeFigureOut">
               <a:rPr lang="en-US" dirty="0"/>
-              <a:t>4/20/2023</a:t>
+              <a:t>4/25/2023</a:t>
             </a:fld>
             <a:endParaRPr lang="en-US" dirty="0"/>
           </a:p>
@@ -2298,7 +2298,7 @@
           <a:p>
             <a:fld id="{87DE6118-2437-4B30-8E3C-4D2BE6020583}" type="datetimeFigureOut">
               <a:rPr lang="en-US" dirty="0"/>
-              <a:t>4/20/2023</a:t>
+              <a:t>4/25/2023</a:t>
             </a:fld>
             <a:endParaRPr lang="en-US" dirty="0"/>
           </a:p>
@@ -2443,7 +2443,7 @@
           </a:lstStyle>
           <a:p>
             <a:r>
-              <a:rPr lang="ko-KR" altLang="en-US" smtClean="0"/>
+              <a:rPr lang="ko-KR" altLang="en-US"/>
               <a:t>마스터 제목 스타일 편집</a:t>
             </a:r>
             <a:endParaRPr lang="en-US" dirty="0"/>
@@ -2500,35 +2500,35 @@
           <a:p>
             <a:pPr lvl="0"/>
             <a:r>
-              <a:rPr lang="ko-KR" altLang="en-US" smtClean="0"/>
+              <a:rPr lang="ko-KR" altLang="en-US"/>
               <a:t>마스터 텍스트 스타일을 편집합니다</a:t>
             </a:r>
           </a:p>
           <a:p>
             <a:pPr lvl="1"/>
             <a:r>
-              <a:rPr lang="ko-KR" altLang="en-US" smtClean="0"/>
+              <a:rPr lang="ko-KR" altLang="en-US"/>
               <a:t>둘째 수준</a:t>
             </a:r>
           </a:p>
           <a:p>
             <a:pPr lvl="2"/>
             <a:r>
-              <a:rPr lang="ko-KR" altLang="en-US" smtClean="0"/>
+              <a:rPr lang="ko-KR" altLang="en-US"/>
               <a:t>셋째 수준</a:t>
             </a:r>
           </a:p>
           <a:p>
             <a:pPr lvl="3"/>
             <a:r>
-              <a:rPr lang="ko-KR" altLang="en-US" smtClean="0"/>
+              <a:rPr lang="ko-KR" altLang="en-US"/>
               <a:t>넷째 수준</a:t>
             </a:r>
           </a:p>
           <a:p>
             <a:pPr lvl="4"/>
             <a:r>
-              <a:rPr lang="ko-KR" altLang="en-US" smtClean="0"/>
+              <a:rPr lang="ko-KR" altLang="en-US"/>
               <a:t>다섯째 수준</a:t>
             </a:r>
             <a:endParaRPr lang="en-US" dirty="0"/>
@@ -2603,7 +2603,7 @@
           <a:p>
             <a:pPr lvl="0"/>
             <a:r>
-              <a:rPr lang="ko-KR" altLang="en-US" smtClean="0"/>
+              <a:rPr lang="ko-KR" altLang="en-US"/>
               <a:t>마스터 텍스트 스타일을 편집합니다</a:t>
             </a:r>
           </a:p>
@@ -2640,7 +2640,7 @@
             <a:fld id="{87DE6118-2437-4B30-8E3C-4D2BE6020583}" type="datetimeFigureOut">
               <a:rPr lang="en-US" dirty="0"/>
               <a:pPr/>
-              <a:t>4/20/2023</a:t>
+              <a:t>4/25/2023</a:t>
             </a:fld>
             <a:endParaRPr lang="en-US" dirty="0"/>
           </a:p>
@@ -2846,7 +2846,7 @@
           </a:lstStyle>
           <a:p>
             <a:r>
-              <a:rPr lang="ko-KR" altLang="en-US" smtClean="0"/>
+              <a:rPr lang="ko-KR" altLang="en-US"/>
               <a:t>마스터 제목 스타일 편집</a:t>
             </a:r>
             <a:endParaRPr lang="en-US" dirty="0"/>
@@ -2913,7 +2913,7 @@
           </a:lstStyle>
           <a:p>
             <a:r>
-              <a:rPr lang="ko-KR" altLang="en-US" smtClean="0"/>
+              <a:rPr lang="ko-KR" altLang="en-US"/>
               <a:t>그림을 추가하려면 아이콘을 클릭하십시오</a:t>
             </a:r>
             <a:endParaRPr lang="en-US" dirty="0"/>
@@ -2988,7 +2988,7 @@
           <a:p>
             <a:pPr lvl="0"/>
             <a:r>
-              <a:rPr lang="ko-KR" altLang="en-US" smtClean="0"/>
+              <a:rPr lang="ko-KR" altLang="en-US"/>
               <a:t>마스터 텍스트 스타일을 편집합니다</a:t>
             </a:r>
           </a:p>
@@ -3025,7 +3025,7 @@
             <a:fld id="{87DE6118-2437-4B30-8E3C-4D2BE6020583}" type="datetimeFigureOut">
               <a:rPr lang="en-US" dirty="0"/>
               <a:pPr/>
-              <a:t>4/20/2023</a:t>
+              <a:t>4/25/2023</a:t>
             </a:fld>
             <a:endParaRPr lang="en-US" dirty="0"/>
           </a:p>
@@ -3197,7 +3197,7 @@
           <a:lstStyle/>
           <a:p>
             <a:r>
-              <a:rPr lang="ko-KR" altLang="en-US" smtClean="0"/>
+              <a:rPr lang="ko-KR" altLang="en-US"/>
               <a:t>마스터 제목 스타일 편집</a:t>
             </a:r>
             <a:endParaRPr lang="en-US" dirty="0"/>
@@ -3231,35 +3231,35 @@
           <a:p>
             <a:pPr lvl="0"/>
             <a:r>
-              <a:rPr lang="ko-KR" altLang="en-US" smtClean="0"/>
+              <a:rPr lang="ko-KR" altLang="en-US"/>
               <a:t>마스터 텍스트 스타일을 편집합니다</a:t>
             </a:r>
           </a:p>
           <a:p>
             <a:pPr lvl="1"/>
             <a:r>
-              <a:rPr lang="ko-KR" altLang="en-US" smtClean="0"/>
+              <a:rPr lang="ko-KR" altLang="en-US"/>
               <a:t>둘째 수준</a:t>
             </a:r>
           </a:p>
           <a:p>
             <a:pPr lvl="2"/>
             <a:r>
-              <a:rPr lang="ko-KR" altLang="en-US" smtClean="0"/>
+              <a:rPr lang="ko-KR" altLang="en-US"/>
               <a:t>셋째 수준</a:t>
             </a:r>
           </a:p>
           <a:p>
             <a:pPr lvl="3"/>
             <a:r>
-              <a:rPr lang="ko-KR" altLang="en-US" smtClean="0"/>
+              <a:rPr lang="ko-KR" altLang="en-US"/>
               <a:t>넷째 수준</a:t>
             </a:r>
           </a:p>
           <a:p>
             <a:pPr lvl="4"/>
             <a:r>
-              <a:rPr lang="ko-KR" altLang="en-US" smtClean="0"/>
+              <a:rPr lang="ko-KR" altLang="en-US"/>
               <a:t>다섯째 수준</a:t>
             </a:r>
             <a:endParaRPr lang="en-US" dirty="0"/>
@@ -3300,7 +3300,7 @@
             <a:fld id="{87DE6118-2437-4B30-8E3C-4D2BE6020583}" type="datetimeFigureOut">
               <a:rPr lang="en-US" dirty="0"/>
               <a:pPr/>
-              <a:t>4/20/2023</a:t>
+              <a:t>4/25/2023</a:t>
             </a:fld>
             <a:endParaRPr lang="en-US" dirty="0"/>
           </a:p>
@@ -3742,7 +3742,7 @@
       </a:lvl9pPr>
     </p:otherStyle>
   </p:txStyles>
-  <p:extLst mod="1">
+  <p:extLst>
     <p:ext uri="{27BBF7A9-308A-43DC-89C8-2F10F3537804}">
       <p15:sldGuideLst xmlns:p15="http://schemas.microsoft.com/office/powerpoint/2012/main">
         <p15:guide id="3" orient="horz" pos="1368">
@@ -3829,22 +3829,21 @@
           <a:lstStyle/>
           <a:p>
             <a:r>
-              <a:rPr lang="ko-KR" altLang="en-US" dirty="0" err="1" smtClean="0"/>
+              <a:rPr lang="ko-KR" altLang="en-US" dirty="0" err="1"/>
               <a:t>파이썬</a:t>
             </a:r>
             <a:r>
-              <a:rPr lang="ko-KR" altLang="en-US" dirty="0" smtClean="0"/>
+              <a:rPr lang="ko-KR" altLang="en-US" dirty="0"/>
               <a:t> </a:t>
             </a:r>
             <a:r>
-              <a:rPr lang="en-US" altLang="ko-KR" dirty="0" smtClean="0"/>
+              <a:rPr lang="en-US" altLang="ko-KR" dirty="0"/>
               <a:t>1</a:t>
             </a:r>
             <a:r>
-              <a:rPr lang="ko-KR" altLang="en-US" dirty="0" smtClean="0"/>
+              <a:rPr lang="ko-KR" altLang="en-US" dirty="0"/>
               <a:t>강 과제</a:t>
             </a:r>
-            <a:endParaRPr lang="ko-KR" altLang="en-US" dirty="0"/>
           </a:p>
         </p:txBody>
       </p:sp>
@@ -3901,16 +3900,21 @@
           <a:lstStyle/>
           <a:p>
             <a:r>
-              <a:rPr lang="ko-KR" altLang="en-US" sz="1800" dirty="0" smtClean="0"/>
+              <a:rPr lang="ko-KR" altLang="en-US" sz="1800" dirty="0"/>
               <a:t>계산기 수준의 연습</a:t>
             </a:r>
-            <a:endParaRPr lang="ko-KR" altLang="en-US" sz="1800" dirty="0"/>
           </a:p>
         </p:txBody>
       </p:sp>
       <p:pic>
         <p:nvPicPr>
-          <p:cNvPr id="6" name="그림 5"/>
+          <p:cNvPr id="2" name="그림 1">
+            <a:extLst>
+              <a:ext uri="{FF2B5EF4-FFF2-40B4-BE49-F238E27FC236}">
+                <a16:creationId xmlns:a16="http://schemas.microsoft.com/office/drawing/2014/main" id="{74A2A3B2-038F-3575-8610-73CD6C85B18A}"/>
+              </a:ext>
+            </a:extLst>
+          </p:cNvPr>
           <p:cNvPicPr>
             <a:picLocks noChangeAspect="1"/>
           </p:cNvPicPr>
@@ -3924,8 +3928,8 @@
         </p:blipFill>
         <p:spPr>
           <a:xfrm>
-            <a:off x="4043022" y="1404710"/>
-            <a:ext cx="4471620" cy="3792519"/>
+            <a:off x="4004659" y="2006202"/>
+            <a:ext cx="4182682" cy="2845596"/>
           </a:xfrm>
           <a:prstGeom prst="rect">
             <a:avLst/>
@@ -3985,27 +3989,27 @@
           <a:lstStyle/>
           <a:p>
             <a:r>
-              <a:rPr lang="ko-KR" altLang="en-US" sz="1800" dirty="0" smtClean="0"/>
+              <a:rPr lang="ko-KR" altLang="en-US" sz="1800" dirty="0"/>
               <a:t>처음 프로그램 작성</a:t>
             </a:r>
             <a:r>
-              <a:rPr lang="en-US" altLang="ko-KR" sz="1800" dirty="0" smtClean="0"/>
+              <a:rPr lang="en-US" altLang="ko-KR" sz="1800" dirty="0"/>
               <a:t>(</a:t>
             </a:r>
             <a:r>
-              <a:rPr lang="ko-KR" altLang="en-US" sz="1800" dirty="0" smtClean="0"/>
+              <a:rPr lang="ko-KR" altLang="en-US" sz="1800" dirty="0"/>
               <a:t>구구단 </a:t>
             </a:r>
             <a:r>
-              <a:rPr lang="en-US" altLang="ko-KR" sz="1800" dirty="0" smtClean="0"/>
+              <a:rPr lang="en-US" altLang="ko-KR" sz="1800" dirty="0"/>
               <a:t>2</a:t>
             </a:r>
             <a:r>
-              <a:rPr lang="ko-KR" altLang="en-US" sz="1800" dirty="0" smtClean="0"/>
+              <a:rPr lang="ko-KR" altLang="en-US" sz="1800" dirty="0"/>
               <a:t>단</a:t>
             </a:r>
             <a:r>
-              <a:rPr lang="en-US" altLang="ko-KR" sz="1800" dirty="0" smtClean="0"/>
+              <a:rPr lang="en-US" altLang="ko-KR" sz="1800" dirty="0"/>
               <a:t>)</a:t>
             </a:r>
             <a:endParaRPr lang="ko-KR" altLang="en-US" sz="1800" dirty="0"/>
@@ -4014,7 +4018,13 @@
       </p:sp>
       <p:pic>
         <p:nvPicPr>
-          <p:cNvPr id="7" name="그림 6"/>
+          <p:cNvPr id="6" name="그림 5">
+            <a:extLst>
+              <a:ext uri="{FF2B5EF4-FFF2-40B4-BE49-F238E27FC236}">
+                <a16:creationId xmlns:a16="http://schemas.microsoft.com/office/drawing/2014/main" id="{04661EC3-8A3C-44D4-0032-FE7AEE2CF52B}"/>
+              </a:ext>
+            </a:extLst>
+          </p:cNvPr>
           <p:cNvPicPr>
             <a:picLocks noChangeAspect="1"/>
           </p:cNvPicPr>
@@ -4028,8 +4038,8 @@
         </p:blipFill>
         <p:spPr>
           <a:xfrm>
-            <a:off x="4001083" y="1367700"/>
-            <a:ext cx="4582587" cy="3985838"/>
+            <a:off x="3312340" y="2040414"/>
+            <a:ext cx="5567320" cy="2777172"/>
           </a:xfrm>
           <a:prstGeom prst="rect">
             <a:avLst/>
@@ -4089,23 +4099,19 @@
           <a:lstStyle/>
           <a:p>
             <a:r>
-              <a:rPr lang="ko-KR" altLang="en-US" sz="1800" dirty="0" smtClean="0"/>
-              <a:t>한번 더 </a:t>
-            </a:r>
-            <a:r>
               <a:rPr lang="ko-KR" altLang="en-US" sz="1800" dirty="0"/>
-              <a:t>프로그램 작성</a:t>
-            </a:r>
-            <a:r>
-              <a:rPr lang="en-US" altLang="ko-KR" sz="1800" dirty="0" smtClean="0"/>
+              <a:t>한번 더 프로그램 작성</a:t>
+            </a:r>
+            <a:r>
+              <a:rPr lang="en-US" altLang="ko-KR" sz="1800" dirty="0"/>
               <a:t>(</a:t>
             </a:r>
             <a:r>
-              <a:rPr lang="ko-KR" altLang="en-US" sz="1800" dirty="0" smtClean="0"/>
+              <a:rPr lang="ko-KR" altLang="en-US" sz="1800" dirty="0"/>
               <a:t>별 찍기</a:t>
             </a:r>
             <a:r>
-              <a:rPr lang="en-US" altLang="ko-KR" sz="1800" dirty="0" smtClean="0"/>
+              <a:rPr lang="en-US" altLang="ko-KR" sz="1800" dirty="0"/>
               <a:t>)</a:t>
             </a:r>
             <a:endParaRPr lang="ko-KR" altLang="en-US" sz="1800" dirty="0"/>
@@ -4114,7 +4120,13 @@
       </p:sp>
       <p:pic>
         <p:nvPicPr>
-          <p:cNvPr id="8" name="그림 7"/>
+          <p:cNvPr id="3" name="그림 2">
+            <a:extLst>
+              <a:ext uri="{FF2B5EF4-FFF2-40B4-BE49-F238E27FC236}">
+                <a16:creationId xmlns:a16="http://schemas.microsoft.com/office/drawing/2014/main" id="{0F6316B9-8DD1-9467-B2B5-B82073DBB40B}"/>
+              </a:ext>
+            </a:extLst>
+          </p:cNvPr>
           <p:cNvPicPr>
             <a:picLocks noChangeAspect="1"/>
           </p:cNvPicPr>
@@ -4128,8 +4140,8 @@
         </p:blipFill>
         <p:spPr>
           <a:xfrm>
-            <a:off x="3673577" y="1288714"/>
-            <a:ext cx="5217021" cy="4244578"/>
+            <a:off x="2931682" y="2181654"/>
+            <a:ext cx="6328636" cy="2494691"/>
           </a:xfrm>
           <a:prstGeom prst="rect">
             <a:avLst/>
@@ -4189,10 +4201,9 @@
           <a:lstStyle/>
           <a:p>
             <a:r>
-              <a:rPr lang="ko-KR" altLang="en-US" sz="1800" dirty="0" smtClean="0"/>
+              <a:rPr lang="ko-KR" altLang="en-US" sz="1800" dirty="0"/>
               <a:t>정리하기</a:t>
             </a:r>
-            <a:endParaRPr lang="ko-KR" altLang="en-US" sz="1800" dirty="0"/>
           </a:p>
         </p:txBody>
       </p:sp>
@@ -4346,26 +4357,25 @@
           <a:lstStyle/>
           <a:p>
             <a:r>
-              <a:rPr lang="ko-KR" altLang="en-US" dirty="0" err="1" smtClean="0"/>
+              <a:rPr lang="ko-KR" altLang="en-US" dirty="0" err="1"/>
               <a:t>구글에</a:t>
             </a:r>
             <a:r>
-              <a:rPr lang="ko-KR" altLang="en-US" dirty="0" smtClean="0"/>
+              <a:rPr lang="ko-KR" altLang="en-US" dirty="0"/>
               <a:t> </a:t>
             </a:r>
             <a:r>
-              <a:rPr lang="en-US" altLang="ko-KR" dirty="0" err="1" smtClean="0"/>
+              <a:rPr lang="en-US" altLang="ko-KR" dirty="0" err="1"/>
               <a:t>Jupyter</a:t>
             </a:r>
             <a:r>
-              <a:rPr lang="en-US" altLang="ko-KR" dirty="0" smtClean="0"/>
+              <a:rPr lang="en-US" altLang="ko-KR" dirty="0"/>
               <a:t> Notebook </a:t>
             </a:r>
             <a:r>
-              <a:rPr lang="ko-KR" altLang="en-US" dirty="0" smtClean="0"/>
+              <a:rPr lang="ko-KR" altLang="en-US" dirty="0"/>
               <a:t>검색</a:t>
             </a:r>
-            <a:endParaRPr lang="ko-KR" altLang="en-US" dirty="0"/>
           </a:p>
         </p:txBody>
       </p:sp>
@@ -4619,10 +4629,9 @@
           <a:lstStyle/>
           <a:p>
             <a:r>
-              <a:rPr lang="ko-KR" altLang="en-US" dirty="0" smtClean="0"/>
+              <a:rPr lang="ko-KR" altLang="en-US" dirty="0"/>
               <a:t>클릭</a:t>
             </a:r>
-            <a:endParaRPr lang="ko-KR" altLang="en-US" dirty="0"/>
           </a:p>
         </p:txBody>
       </p:sp>
@@ -4828,10 +4837,9 @@
           <a:lstStyle/>
           <a:p>
             <a:r>
-              <a:rPr lang="ko-KR" altLang="en-US" dirty="0" smtClean="0"/>
+              <a:rPr lang="ko-KR" altLang="en-US" dirty="0"/>
               <a:t>클릭</a:t>
             </a:r>
-            <a:endParaRPr lang="ko-KR" altLang="en-US" dirty="0"/>
           </a:p>
         </p:txBody>
       </p:sp>
@@ -5037,10 +5045,9 @@
           <a:lstStyle/>
           <a:p>
             <a:r>
-              <a:rPr lang="ko-KR" altLang="en-US" smtClean="0"/>
+              <a:rPr lang="ko-KR" altLang="en-US"/>
               <a:t>클릭</a:t>
             </a:r>
-            <a:endParaRPr lang="ko-KR" altLang="en-US"/>
           </a:p>
         </p:txBody>
       </p:sp>
@@ -5338,7 +5345,7 @@
           <a:lstStyle/>
           <a:p>
             <a:r>
-              <a:rPr lang="en-US" altLang="ko-KR" dirty="0" smtClean="0"/>
+              <a:rPr lang="en-US" altLang="ko-KR" dirty="0"/>
               <a:t>1</a:t>
             </a:r>
             <a:endParaRPr lang="ko-KR" altLang="en-US" dirty="0"/>
@@ -5432,7 +5439,7 @@
           <a:lstStyle/>
           <a:p>
             <a:r>
-              <a:rPr lang="en-US" altLang="ko-KR" dirty="0" smtClean="0"/>
+              <a:rPr lang="en-US" altLang="ko-KR" dirty="0"/>
               <a:t>2</a:t>
             </a:r>
             <a:endParaRPr lang="ko-KR" altLang="en-US" dirty="0"/>
@@ -5462,7 +5469,7 @@
           <a:lstStyle/>
           <a:p>
             <a:r>
-              <a:rPr lang="en-US" altLang="ko-KR" dirty="0" smtClean="0"/>
+              <a:rPr lang="en-US" altLang="ko-KR" dirty="0"/>
               <a:t>3</a:t>
             </a:r>
             <a:endParaRPr lang="ko-KR" altLang="en-US" dirty="0"/>
@@ -5492,10 +5499,9 @@
           <a:lstStyle/>
           <a:p>
             <a:r>
-              <a:rPr lang="ko-KR" altLang="en-US" dirty="0" smtClean="0"/>
+              <a:rPr lang="ko-KR" altLang="en-US" dirty="0"/>
               <a:t>순서대로 클릭</a:t>
             </a:r>
-            <a:endParaRPr lang="ko-KR" altLang="en-US" dirty="0"/>
           </a:p>
         </p:txBody>
       </p:sp>
@@ -5703,10 +5709,9 @@
           <a:lstStyle/>
           <a:p>
             <a:r>
-              <a:rPr lang="ko-KR" altLang="en-US" smtClean="0"/>
+              <a:rPr lang="ko-KR" altLang="en-US"/>
               <a:t>클릭</a:t>
             </a:r>
-            <a:endParaRPr lang="ko-KR" altLang="en-US"/>
           </a:p>
         </p:txBody>
       </p:sp>
@@ -5763,30 +5768,29 @@
           <a:lstStyle/>
           <a:p>
             <a:r>
-              <a:rPr lang="ko-KR" altLang="en-US" sz="1800" dirty="0" err="1" smtClean="0"/>
+              <a:rPr lang="ko-KR" altLang="en-US" sz="1800" dirty="0" err="1"/>
               <a:t>파이썬</a:t>
             </a:r>
             <a:r>
-              <a:rPr lang="ko-KR" altLang="en-US" sz="1800" dirty="0" smtClean="0"/>
+              <a:rPr lang="ko-KR" altLang="en-US" sz="1800" dirty="0"/>
               <a:t> 다운로드</a:t>
             </a:r>
             <a:r>
-              <a:rPr lang="en-US" altLang="ko-KR" sz="1800" dirty="0" smtClean="0"/>
+              <a:rPr lang="en-US" altLang="ko-KR" sz="1800" dirty="0"/>
               <a:t>,</a:t>
             </a:r>
             <a:r>
-              <a:rPr lang="ko-KR" altLang="en-US" sz="1800" dirty="0" smtClean="0"/>
+              <a:rPr lang="ko-KR" altLang="en-US" sz="1800" dirty="0"/>
               <a:t> 설치 </a:t>
             </a:r>
             <a:r>
-              <a:rPr lang="en-US" altLang="ko-KR" sz="1800" dirty="0" smtClean="0"/>
+              <a:rPr lang="en-US" altLang="ko-KR" sz="1800" dirty="0"/>
               <a:t>&amp; </a:t>
             </a:r>
             <a:r>
-              <a:rPr lang="ko-KR" altLang="en-US" sz="1800" dirty="0" smtClean="0"/>
+              <a:rPr lang="ko-KR" altLang="en-US" sz="1800" dirty="0"/>
               <a:t>실행</a:t>
             </a:r>
-            <a:endParaRPr lang="ko-KR" altLang="en-US" sz="1800" dirty="0"/>
           </a:p>
         </p:txBody>
       </p:sp>
@@ -5837,10 +5841,9 @@
           <a:lstStyle/>
           <a:p>
             <a:r>
-              <a:rPr lang="ko-KR" altLang="en-US" smtClean="0"/>
+              <a:rPr lang="ko-KR" altLang="en-US"/>
               <a:t>화면 등장</a:t>
             </a:r>
-            <a:endParaRPr lang="ko-KR" altLang="en-US"/>
           </a:p>
         </p:txBody>
       </p:sp>
@@ -5897,10 +5900,9 @@
           <a:lstStyle/>
           <a:p>
             <a:r>
-              <a:rPr lang="ko-KR" altLang="en-US" sz="1800" dirty="0" smtClean="0"/>
+              <a:rPr lang="ko-KR" altLang="en-US" sz="1800" dirty="0"/>
               <a:t>대화식 모드 및 스크립트 모드</a:t>
             </a:r>
-            <a:endParaRPr lang="ko-KR" altLang="en-US" sz="1800" dirty="0"/>
           </a:p>
         </p:txBody>
       </p:sp>

--- a/파이썬 과제/1강/파이썬 1강 과제 남정현.pptx
+++ b/파이썬 과제/1강/파이썬 1강 과제 남정현.pptx
@@ -6,18 +6,24 @@
   </p:sldMasterIdLst>
   <p:sldIdLst>
     <p:sldId id="256" r:id="rId2"/>
-    <p:sldId id="257" r:id="rId3"/>
-    <p:sldId id="258" r:id="rId4"/>
-    <p:sldId id="259" r:id="rId5"/>
-    <p:sldId id="261" r:id="rId6"/>
-    <p:sldId id="260" r:id="rId7"/>
-    <p:sldId id="262" r:id="rId8"/>
-    <p:sldId id="263" r:id="rId9"/>
-    <p:sldId id="264" r:id="rId10"/>
-    <p:sldId id="265" r:id="rId11"/>
-    <p:sldId id="266" r:id="rId12"/>
-    <p:sldId id="267" r:id="rId13"/>
-    <p:sldId id="268" r:id="rId14"/>
+    <p:sldId id="269" r:id="rId3"/>
+    <p:sldId id="273" r:id="rId4"/>
+    <p:sldId id="270" r:id="rId5"/>
+    <p:sldId id="271" r:id="rId6"/>
+    <p:sldId id="272" r:id="rId7"/>
+    <p:sldId id="274" r:id="rId8"/>
+    <p:sldId id="257" r:id="rId9"/>
+    <p:sldId id="258" r:id="rId10"/>
+    <p:sldId id="259" r:id="rId11"/>
+    <p:sldId id="261" r:id="rId12"/>
+    <p:sldId id="260" r:id="rId13"/>
+    <p:sldId id="262" r:id="rId14"/>
+    <p:sldId id="263" r:id="rId15"/>
+    <p:sldId id="264" r:id="rId16"/>
+    <p:sldId id="265" r:id="rId17"/>
+    <p:sldId id="266" r:id="rId18"/>
+    <p:sldId id="267" r:id="rId19"/>
+    <p:sldId id="268" r:id="rId20"/>
   </p:sldIdLst>
   <p:sldSz cx="12192000" cy="6858000"/>
   <p:notesSz cx="6858000" cy="9144000"/>
@@ -294,7 +300,7 @@
             <a:fld id="{87DE6118-2437-4B30-8E3C-4D2BE6020583}" type="datetimeFigureOut">
               <a:rPr lang="en-US" dirty="0"/>
               <a:pPr/>
-              <a:t>4/25/2023</a:t>
+              <a:t>5/2/2023</a:t>
             </a:fld>
             <a:endParaRPr lang="en-US" dirty="0"/>
           </a:p>
@@ -620,7 +626,7 @@
           <a:p>
             <a:fld id="{87DE6118-2437-4B30-8E3C-4D2BE6020583}" type="datetimeFigureOut">
               <a:rPr lang="en-US" dirty="0"/>
-              <a:t>4/25/2023</a:t>
+              <a:t>5/2/2023</a:t>
             </a:fld>
             <a:endParaRPr lang="en-US" dirty="0"/>
           </a:p>
@@ -795,7 +801,7 @@
           <a:p>
             <a:fld id="{87DE6118-2437-4B30-8E3C-4D2BE6020583}" type="datetimeFigureOut">
               <a:rPr lang="en-US" dirty="0"/>
-              <a:t>4/25/2023</a:t>
+              <a:t>5/2/2023</a:t>
             </a:fld>
             <a:endParaRPr lang="en-US" dirty="0"/>
           </a:p>
@@ -960,7 +966,7 @@
           <a:p>
             <a:fld id="{87DE6118-2437-4B30-8E3C-4D2BE6020583}" type="datetimeFigureOut">
               <a:rPr lang="en-US" dirty="0"/>
-              <a:t>4/25/2023</a:t>
+              <a:t>5/2/2023</a:t>
             </a:fld>
             <a:endParaRPr lang="en-US" dirty="0"/>
           </a:p>
@@ -1233,7 +1239,7 @@
             <a:fld id="{87DE6118-2437-4B30-8E3C-4D2BE6020583}" type="datetimeFigureOut">
               <a:rPr lang="en-US" dirty="0"/>
               <a:pPr/>
-              <a:t>4/25/2023</a:t>
+              <a:t>5/2/2023</a:t>
             </a:fld>
             <a:endParaRPr lang="en-US" dirty="0"/>
           </a:p>
@@ -1623,7 +1629,7 @@
           <a:p>
             <a:fld id="{87DE6118-2437-4B30-8E3C-4D2BE6020583}" type="datetimeFigureOut">
               <a:rPr lang="en-US" dirty="0"/>
-              <a:t>4/25/2023</a:t>
+              <a:t>5/2/2023</a:t>
             </a:fld>
             <a:endParaRPr lang="en-US" dirty="0"/>
           </a:p>
@@ -2095,7 +2101,7 @@
           <a:p>
             <a:fld id="{87DE6118-2437-4B30-8E3C-4D2BE6020583}" type="datetimeFigureOut">
               <a:rPr lang="en-US" dirty="0"/>
-              <a:t>4/25/2023</a:t>
+              <a:t>5/2/2023</a:t>
             </a:fld>
             <a:endParaRPr lang="en-US" dirty="0"/>
           </a:p>
@@ -2208,7 +2214,7 @@
           <a:p>
             <a:fld id="{87DE6118-2437-4B30-8E3C-4D2BE6020583}" type="datetimeFigureOut">
               <a:rPr lang="en-US" dirty="0"/>
-              <a:t>4/25/2023</a:t>
+              <a:t>5/2/2023</a:t>
             </a:fld>
             <a:endParaRPr lang="en-US" dirty="0"/>
           </a:p>
@@ -2298,7 +2304,7 @@
           <a:p>
             <a:fld id="{87DE6118-2437-4B30-8E3C-4D2BE6020583}" type="datetimeFigureOut">
               <a:rPr lang="en-US" dirty="0"/>
-              <a:t>4/25/2023</a:t>
+              <a:t>5/2/2023</a:t>
             </a:fld>
             <a:endParaRPr lang="en-US" dirty="0"/>
           </a:p>
@@ -2640,7 +2646,7 @@
             <a:fld id="{87DE6118-2437-4B30-8E3C-4D2BE6020583}" type="datetimeFigureOut">
               <a:rPr lang="en-US" dirty="0"/>
               <a:pPr/>
-              <a:t>4/25/2023</a:t>
+              <a:t>5/2/2023</a:t>
             </a:fld>
             <a:endParaRPr lang="en-US" dirty="0"/>
           </a:p>
@@ -3025,7 +3031,7 @@
             <a:fld id="{87DE6118-2437-4B30-8E3C-4D2BE6020583}" type="datetimeFigureOut">
               <a:rPr lang="en-US" dirty="0"/>
               <a:pPr/>
-              <a:t>4/25/2023</a:t>
+              <a:t>5/2/2023</a:t>
             </a:fld>
             <a:endParaRPr lang="en-US" dirty="0"/>
           </a:p>
@@ -3300,7 +3306,7 @@
             <a:fld id="{87DE6118-2437-4B30-8E3C-4D2BE6020583}" type="datetimeFigureOut">
               <a:rPr lang="en-US" dirty="0"/>
               <a:pPr/>
-              <a:t>4/25/2023</a:t>
+              <a:t>5/2/2023</a:t>
             </a:fld>
             <a:endParaRPr lang="en-US" dirty="0"/>
           </a:p>
@@ -3879,7 +3885,7 @@
       </p:grpSpPr>
       <p:sp>
         <p:nvSpPr>
-          <p:cNvPr id="5" name="제목 1"/>
+          <p:cNvPr id="2" name="제목 1"/>
           <p:cNvSpPr>
             <a:spLocks noGrp="1"/>
           </p:cNvSpPr>
@@ -3889,7 +3895,7 @@
         </p:nvSpPr>
         <p:spPr>
           <a:xfrm>
-            <a:off x="705852" y="0"/>
+            <a:off x="721894" y="0"/>
             <a:ext cx="9601200" cy="300789"/>
           </a:xfrm>
         </p:spPr>
@@ -3900,21 +3906,20 @@
           <a:lstStyle/>
           <a:p>
             <a:r>
-              <a:rPr lang="ko-KR" altLang="en-US" sz="1800" dirty="0"/>
-              <a:t>계산기 수준의 연습</a:t>
-            </a:r>
+              <a:rPr lang="en-US" altLang="ko-KR" sz="1800" dirty="0" err="1"/>
+              <a:t>Jupyter</a:t>
+            </a:r>
+            <a:r>
+              <a:rPr lang="en-US" altLang="ko-KR" sz="1800" dirty="0"/>
+              <a:t> Notebook</a:t>
+            </a:r>
+            <a:endParaRPr lang="ko-KR" altLang="en-US" sz="1800" dirty="0"/>
           </a:p>
         </p:txBody>
       </p:sp>
       <p:pic>
         <p:nvPicPr>
-          <p:cNvPr id="2" name="그림 1">
-            <a:extLst>
-              <a:ext uri="{FF2B5EF4-FFF2-40B4-BE49-F238E27FC236}">
-                <a16:creationId xmlns:a16="http://schemas.microsoft.com/office/drawing/2014/main" id="{74A2A3B2-038F-3575-8610-73CD6C85B18A}"/>
-              </a:ext>
-            </a:extLst>
-          </p:cNvPr>
+          <p:cNvPr id="4" name="그림 3"/>
           <p:cNvPicPr>
             <a:picLocks noChangeAspect="1"/>
           </p:cNvPicPr>
@@ -3928,18 +3933,123 @@
         </p:blipFill>
         <p:spPr>
           <a:xfrm>
-            <a:off x="4004659" y="2006202"/>
-            <a:ext cx="4182682" cy="2845596"/>
+            <a:off x="721894" y="300789"/>
+            <a:ext cx="11317705" cy="6393366"/>
           </a:xfrm>
           <a:prstGeom prst="rect">
             <a:avLst/>
           </a:prstGeom>
         </p:spPr>
       </p:pic>
+      <p:sp>
+        <p:nvSpPr>
+          <p:cNvPr id="5" name="직사각형 4"/>
+          <p:cNvSpPr/>
+          <p:nvPr/>
+        </p:nvSpPr>
+        <p:spPr>
+          <a:xfrm>
+            <a:off x="6521116" y="3376863"/>
+            <a:ext cx="1187116" cy="336884"/>
+          </a:xfrm>
+          <a:prstGeom prst="rect">
+            <a:avLst/>
+          </a:prstGeom>
+          <a:noFill/>
+          <a:ln>
+            <a:solidFill>
+              <a:srgbClr val="FF0000"/>
+            </a:solidFill>
+          </a:ln>
+        </p:spPr>
+        <p:style>
+          <a:lnRef idx="2">
+            <a:schemeClr val="accent1">
+              <a:shade val="50000"/>
+            </a:schemeClr>
+          </a:lnRef>
+          <a:fillRef idx="1">
+            <a:schemeClr val="accent1"/>
+          </a:fillRef>
+          <a:effectRef idx="0">
+            <a:schemeClr val="accent1"/>
+          </a:effectRef>
+          <a:fontRef idx="minor">
+            <a:schemeClr val="lt1"/>
+          </a:fontRef>
+        </p:style>
+        <p:txBody>
+          <a:bodyPr rtlCol="0" anchor="ctr"/>
+          <a:lstStyle/>
+          <a:p>
+            <a:pPr algn="ctr"/>
+            <a:endParaRPr lang="ko-KR" altLang="en-US"/>
+          </a:p>
+        </p:txBody>
+      </p:sp>
+      <p:cxnSp>
+        <p:nvCxnSpPr>
+          <p:cNvPr id="8" name="직선 연결선 7"/>
+          <p:cNvCxnSpPr/>
+          <p:nvPr/>
+        </p:nvCxnSpPr>
+        <p:spPr>
+          <a:xfrm>
+            <a:off x="7331242" y="3713747"/>
+            <a:ext cx="256674" cy="513348"/>
+          </a:xfrm>
+          <a:prstGeom prst="line">
+            <a:avLst/>
+          </a:prstGeom>
+        </p:spPr>
+        <p:style>
+          <a:lnRef idx="1">
+            <a:schemeClr val="accent1"/>
+          </a:lnRef>
+          <a:fillRef idx="0">
+            <a:schemeClr val="accent1"/>
+          </a:fillRef>
+          <a:effectRef idx="0">
+            <a:schemeClr val="accent1"/>
+          </a:effectRef>
+          <a:fontRef idx="minor">
+            <a:schemeClr val="tx1"/>
+          </a:fontRef>
+        </p:style>
+      </p:cxnSp>
+      <p:sp>
+        <p:nvSpPr>
+          <p:cNvPr id="9" name="TextBox 8"/>
+          <p:cNvSpPr txBox="1"/>
+          <p:nvPr/>
+        </p:nvSpPr>
+        <p:spPr>
+          <a:xfrm>
+            <a:off x="7307179" y="4267200"/>
+            <a:ext cx="882316" cy="369332"/>
+          </a:xfrm>
+          <a:prstGeom prst="rect">
+            <a:avLst/>
+          </a:prstGeom>
+          <a:noFill/>
+        </p:spPr>
+        <p:txBody>
+          <a:bodyPr wrap="square" rtlCol="0">
+            <a:spAutoFit/>
+          </a:bodyPr>
+          <a:lstStyle/>
+          <a:p>
+            <a:r>
+              <a:rPr lang="ko-KR" altLang="en-US" dirty="0"/>
+              <a:t>클릭</a:t>
+            </a:r>
+          </a:p>
+        </p:txBody>
+      </p:sp>
     </p:spTree>
     <p:extLst>
       <p:ext uri="{BB962C8B-B14F-4D97-AF65-F5344CB8AC3E}">
-        <p14:creationId xmlns:p14="http://schemas.microsoft.com/office/powerpoint/2010/main" val="4157560539"/>
+        <p14:creationId xmlns:p14="http://schemas.microsoft.com/office/powerpoint/2010/main" val="3011957679"/>
       </p:ext>
     </p:extLst>
   </p:cSld>
@@ -3966,65 +4076,9 @@
           <a:chExt cx="0" cy="0"/>
         </a:xfrm>
       </p:grpSpPr>
-      <p:sp>
-        <p:nvSpPr>
-          <p:cNvPr id="5" name="제목 1"/>
-          <p:cNvSpPr>
-            <a:spLocks noGrp="1"/>
-          </p:cNvSpPr>
-          <p:nvPr>
-            <p:ph type="title"/>
-          </p:nvPr>
-        </p:nvSpPr>
-        <p:spPr>
-          <a:xfrm>
-            <a:off x="705852" y="0"/>
-            <a:ext cx="9601200" cy="300789"/>
-          </a:xfrm>
-        </p:spPr>
-        <p:txBody>
-          <a:bodyPr>
-            <a:normAutofit fontScale="90000"/>
-          </a:bodyPr>
-          <a:lstStyle/>
-          <a:p>
-            <a:r>
-              <a:rPr lang="ko-KR" altLang="en-US" sz="1800" dirty="0"/>
-              <a:t>처음 프로그램 작성</a:t>
-            </a:r>
-            <a:r>
-              <a:rPr lang="en-US" altLang="ko-KR" sz="1800" dirty="0"/>
-              <a:t>(</a:t>
-            </a:r>
-            <a:r>
-              <a:rPr lang="ko-KR" altLang="en-US" sz="1800" dirty="0"/>
-              <a:t>구구단 </a:t>
-            </a:r>
-            <a:r>
-              <a:rPr lang="en-US" altLang="ko-KR" sz="1800" dirty="0"/>
-              <a:t>2</a:t>
-            </a:r>
-            <a:r>
-              <a:rPr lang="ko-KR" altLang="en-US" sz="1800" dirty="0"/>
-              <a:t>단</a:t>
-            </a:r>
-            <a:r>
-              <a:rPr lang="en-US" altLang="ko-KR" sz="1800" dirty="0"/>
-              <a:t>)</a:t>
-            </a:r>
-            <a:endParaRPr lang="ko-KR" altLang="en-US" sz="1800" dirty="0"/>
-          </a:p>
-        </p:txBody>
-      </p:sp>
       <p:pic>
         <p:nvPicPr>
-          <p:cNvPr id="6" name="그림 5">
-            <a:extLst>
-              <a:ext uri="{FF2B5EF4-FFF2-40B4-BE49-F238E27FC236}">
-                <a16:creationId xmlns:a16="http://schemas.microsoft.com/office/drawing/2014/main" id="{04661EC3-8A3C-44D4-0032-FE7AEE2CF52B}"/>
-              </a:ext>
-            </a:extLst>
-          </p:cNvPr>
+          <p:cNvPr id="4" name="그림 3"/>
           <p:cNvPicPr>
             <a:picLocks noChangeAspect="1"/>
           </p:cNvPicPr>
@@ -4038,18 +4092,157 @@
         </p:blipFill>
         <p:spPr>
           <a:xfrm>
-            <a:off x="3312340" y="2040414"/>
-            <a:ext cx="5567320" cy="2777172"/>
+            <a:off x="719942" y="421105"/>
+            <a:ext cx="11472058" cy="6436895"/>
           </a:xfrm>
           <a:prstGeom prst="rect">
             <a:avLst/>
           </a:prstGeom>
         </p:spPr>
       </p:pic>
+      <p:sp>
+        <p:nvSpPr>
+          <p:cNvPr id="5" name="제목 1"/>
+          <p:cNvSpPr>
+            <a:spLocks noGrp="1"/>
+          </p:cNvSpPr>
+          <p:nvPr>
+            <p:ph type="title"/>
+          </p:nvPr>
+        </p:nvSpPr>
+        <p:spPr>
+          <a:xfrm>
+            <a:off x="705852" y="0"/>
+            <a:ext cx="9601200" cy="300789"/>
+          </a:xfrm>
+        </p:spPr>
+        <p:txBody>
+          <a:bodyPr>
+            <a:normAutofit fontScale="90000"/>
+          </a:bodyPr>
+          <a:lstStyle/>
+          <a:p>
+            <a:r>
+              <a:rPr lang="en-US" altLang="ko-KR" sz="1800" dirty="0" err="1"/>
+              <a:t>Jupyter</a:t>
+            </a:r>
+            <a:r>
+              <a:rPr lang="en-US" altLang="ko-KR" sz="1800" dirty="0"/>
+              <a:t> Notebook</a:t>
+            </a:r>
+            <a:endParaRPr lang="ko-KR" altLang="en-US" sz="1800" dirty="0"/>
+          </a:p>
+        </p:txBody>
+      </p:sp>
+      <p:sp>
+        <p:nvSpPr>
+          <p:cNvPr id="6" name="직사각형 5"/>
+          <p:cNvSpPr/>
+          <p:nvPr/>
+        </p:nvSpPr>
+        <p:spPr>
+          <a:xfrm>
+            <a:off x="5506452" y="3400926"/>
+            <a:ext cx="1632285" cy="2205790"/>
+          </a:xfrm>
+          <a:prstGeom prst="rect">
+            <a:avLst/>
+          </a:prstGeom>
+          <a:noFill/>
+          <a:ln>
+            <a:solidFill>
+              <a:srgbClr val="FF0000"/>
+            </a:solidFill>
+          </a:ln>
+        </p:spPr>
+        <p:style>
+          <a:lnRef idx="2">
+            <a:schemeClr val="accent1">
+              <a:shade val="50000"/>
+            </a:schemeClr>
+          </a:lnRef>
+          <a:fillRef idx="1">
+            <a:schemeClr val="accent1"/>
+          </a:fillRef>
+          <a:effectRef idx="0">
+            <a:schemeClr val="accent1"/>
+          </a:effectRef>
+          <a:fontRef idx="minor">
+            <a:schemeClr val="lt1"/>
+          </a:fontRef>
+        </p:style>
+        <p:txBody>
+          <a:bodyPr rtlCol="0" anchor="ctr"/>
+          <a:lstStyle/>
+          <a:p>
+            <a:pPr algn="ctr"/>
+            <a:endParaRPr lang="ko-KR" altLang="en-US"/>
+          </a:p>
+        </p:txBody>
+      </p:sp>
+      <p:cxnSp>
+        <p:nvCxnSpPr>
+          <p:cNvPr id="8" name="직선 연결선 7"/>
+          <p:cNvCxnSpPr/>
+          <p:nvPr/>
+        </p:nvCxnSpPr>
+        <p:spPr>
+          <a:xfrm flipV="1">
+            <a:off x="7138737" y="3023937"/>
+            <a:ext cx="2109537" cy="376989"/>
+          </a:xfrm>
+          <a:prstGeom prst="line">
+            <a:avLst/>
+          </a:prstGeom>
+        </p:spPr>
+        <p:style>
+          <a:lnRef idx="1">
+            <a:schemeClr val="accent1"/>
+          </a:lnRef>
+          <a:fillRef idx="0">
+            <a:schemeClr val="accent1"/>
+          </a:fillRef>
+          <a:effectRef idx="0">
+            <a:schemeClr val="accent1"/>
+          </a:effectRef>
+          <a:fontRef idx="minor">
+            <a:schemeClr val="tx1"/>
+          </a:fontRef>
+        </p:style>
+      </p:cxnSp>
+      <p:sp>
+        <p:nvSpPr>
+          <p:cNvPr id="9" name="TextBox 8"/>
+          <p:cNvSpPr txBox="1"/>
+          <p:nvPr/>
+        </p:nvSpPr>
+        <p:spPr>
+          <a:xfrm>
+            <a:off x="9248274" y="2779113"/>
+            <a:ext cx="665747" cy="369332"/>
+          </a:xfrm>
+          <a:prstGeom prst="rect">
+            <a:avLst/>
+          </a:prstGeom>
+          <a:noFill/>
+        </p:spPr>
+        <p:txBody>
+          <a:bodyPr wrap="square" rtlCol="0">
+            <a:spAutoFit/>
+          </a:bodyPr>
+          <a:lstStyle/>
+          <a:p>
+            <a:r>
+              <a:rPr lang="ko-KR" altLang="en-US"/>
+              <a:t>클릭</a:t>
+            </a:r>
+          </a:p>
+        </p:txBody>
+      </p:sp>
     </p:spTree>
     <p:extLst>
       <p:ext uri="{BB962C8B-B14F-4D97-AF65-F5344CB8AC3E}">
-        <p14:creationId xmlns:p14="http://schemas.microsoft.com/office/powerpoint/2010/main" val="2188688144"/>
+        <p14:creationId xmlns:p14="http://schemas.microsoft.com/office/powerpoint/2010/main" val="980650345"/>
       </p:ext>
     </p:extLst>
   </p:cSld>
@@ -4099,6 +4292,1093 @@
           <a:lstStyle/>
           <a:p>
             <a:r>
+              <a:rPr lang="en-US" altLang="ko-KR" sz="1800" dirty="0" err="1"/>
+              <a:t>Jupyter</a:t>
+            </a:r>
+            <a:r>
+              <a:rPr lang="en-US" altLang="ko-KR" sz="1800" dirty="0"/>
+              <a:t> Notebook</a:t>
+            </a:r>
+            <a:endParaRPr lang="ko-KR" altLang="en-US" sz="1800" dirty="0"/>
+          </a:p>
+        </p:txBody>
+      </p:sp>
+      <p:pic>
+        <p:nvPicPr>
+          <p:cNvPr id="10" name="그림 9"/>
+          <p:cNvPicPr>
+            <a:picLocks noChangeAspect="1"/>
+          </p:cNvPicPr>
+          <p:nvPr/>
+        </p:nvPicPr>
+        <p:blipFill>
+          <a:blip r:embed="rId2"/>
+          <a:stretch>
+            <a:fillRect/>
+          </a:stretch>
+        </p:blipFill>
+        <p:spPr>
+          <a:xfrm>
+            <a:off x="2473368" y="300789"/>
+            <a:ext cx="7549097" cy="6499058"/>
+          </a:xfrm>
+          <a:prstGeom prst="rect">
+            <a:avLst/>
+          </a:prstGeom>
+        </p:spPr>
+      </p:pic>
+      <p:sp>
+        <p:nvSpPr>
+          <p:cNvPr id="11" name="직사각형 10"/>
+          <p:cNvSpPr/>
+          <p:nvPr/>
+        </p:nvSpPr>
+        <p:spPr>
+          <a:xfrm>
+            <a:off x="2566737" y="553453"/>
+            <a:ext cx="240631" cy="216568"/>
+          </a:xfrm>
+          <a:prstGeom prst="rect">
+            <a:avLst/>
+          </a:prstGeom>
+          <a:noFill/>
+          <a:ln>
+            <a:solidFill>
+              <a:srgbClr val="FF0000"/>
+            </a:solidFill>
+          </a:ln>
+        </p:spPr>
+        <p:style>
+          <a:lnRef idx="2">
+            <a:schemeClr val="accent1">
+              <a:shade val="50000"/>
+            </a:schemeClr>
+          </a:lnRef>
+          <a:fillRef idx="1">
+            <a:schemeClr val="accent1"/>
+          </a:fillRef>
+          <a:effectRef idx="0">
+            <a:schemeClr val="accent1"/>
+          </a:effectRef>
+          <a:fontRef idx="minor">
+            <a:schemeClr val="lt1"/>
+          </a:fontRef>
+        </p:style>
+        <p:txBody>
+          <a:bodyPr rtlCol="0" anchor="ctr"/>
+          <a:lstStyle/>
+          <a:p>
+            <a:pPr algn="ctr"/>
+            <a:endParaRPr lang="ko-KR" altLang="en-US"/>
+          </a:p>
+        </p:txBody>
+      </p:sp>
+      <p:sp>
+        <p:nvSpPr>
+          <p:cNvPr id="12" name="직사각형 11"/>
+          <p:cNvSpPr/>
+          <p:nvPr/>
+        </p:nvSpPr>
+        <p:spPr>
+          <a:xfrm>
+            <a:off x="2566737" y="737937"/>
+            <a:ext cx="2117558" cy="216568"/>
+          </a:xfrm>
+          <a:prstGeom prst="rect">
+            <a:avLst/>
+          </a:prstGeom>
+          <a:noFill/>
+          <a:ln>
+            <a:solidFill>
+              <a:srgbClr val="FF0000"/>
+            </a:solidFill>
+          </a:ln>
+        </p:spPr>
+        <p:style>
+          <a:lnRef idx="2">
+            <a:schemeClr val="accent1">
+              <a:shade val="50000"/>
+            </a:schemeClr>
+          </a:lnRef>
+          <a:fillRef idx="1">
+            <a:schemeClr val="accent1"/>
+          </a:fillRef>
+          <a:effectRef idx="0">
+            <a:schemeClr val="accent1"/>
+          </a:effectRef>
+          <a:fontRef idx="minor">
+            <a:schemeClr val="lt1"/>
+          </a:fontRef>
+        </p:style>
+        <p:txBody>
+          <a:bodyPr rtlCol="0" anchor="ctr"/>
+          <a:lstStyle/>
+          <a:p>
+            <a:pPr algn="ctr"/>
+            <a:endParaRPr lang="ko-KR" altLang="en-US"/>
+          </a:p>
+        </p:txBody>
+      </p:sp>
+      <p:sp>
+        <p:nvSpPr>
+          <p:cNvPr id="13" name="직사각형 12"/>
+          <p:cNvSpPr/>
+          <p:nvPr/>
+        </p:nvSpPr>
+        <p:spPr>
+          <a:xfrm>
+            <a:off x="4660232" y="890337"/>
+            <a:ext cx="882315" cy="248651"/>
+          </a:xfrm>
+          <a:prstGeom prst="rect">
+            <a:avLst/>
+          </a:prstGeom>
+          <a:noFill/>
+          <a:ln>
+            <a:solidFill>
+              <a:srgbClr val="FF0000"/>
+            </a:solidFill>
+          </a:ln>
+        </p:spPr>
+        <p:style>
+          <a:lnRef idx="2">
+            <a:schemeClr val="accent1">
+              <a:shade val="50000"/>
+            </a:schemeClr>
+          </a:lnRef>
+          <a:fillRef idx="1">
+            <a:schemeClr val="accent1"/>
+          </a:fillRef>
+          <a:effectRef idx="0">
+            <a:schemeClr val="accent1"/>
+          </a:effectRef>
+          <a:fontRef idx="minor">
+            <a:schemeClr val="lt1"/>
+          </a:fontRef>
+        </p:style>
+        <p:txBody>
+          <a:bodyPr rtlCol="0" anchor="ctr"/>
+          <a:lstStyle/>
+          <a:p>
+            <a:pPr algn="ctr"/>
+            <a:endParaRPr lang="ko-KR" altLang="en-US"/>
+          </a:p>
+        </p:txBody>
+      </p:sp>
+      <p:cxnSp>
+        <p:nvCxnSpPr>
+          <p:cNvPr id="17" name="직선 연결선 16"/>
+          <p:cNvCxnSpPr/>
+          <p:nvPr/>
+        </p:nvCxnSpPr>
+        <p:spPr>
+          <a:xfrm flipH="1" flipV="1">
+            <a:off x="2021305" y="601578"/>
+            <a:ext cx="545432" cy="80211"/>
+          </a:xfrm>
+          <a:prstGeom prst="line">
+            <a:avLst/>
+          </a:prstGeom>
+        </p:spPr>
+        <p:style>
+          <a:lnRef idx="1">
+            <a:schemeClr val="accent1"/>
+          </a:lnRef>
+          <a:fillRef idx="0">
+            <a:schemeClr val="accent1"/>
+          </a:fillRef>
+          <a:effectRef idx="0">
+            <a:schemeClr val="accent1"/>
+          </a:effectRef>
+          <a:fontRef idx="minor">
+            <a:schemeClr val="tx1"/>
+          </a:fontRef>
+        </p:style>
+      </p:cxnSp>
+      <p:sp>
+        <p:nvSpPr>
+          <p:cNvPr id="18" name="TextBox 17"/>
+          <p:cNvSpPr txBox="1"/>
+          <p:nvPr/>
+        </p:nvSpPr>
+        <p:spPr>
+          <a:xfrm>
+            <a:off x="1652337" y="392668"/>
+            <a:ext cx="368968" cy="369332"/>
+          </a:xfrm>
+          <a:prstGeom prst="rect">
+            <a:avLst/>
+          </a:prstGeom>
+          <a:noFill/>
+        </p:spPr>
+        <p:txBody>
+          <a:bodyPr wrap="square" rtlCol="0">
+            <a:spAutoFit/>
+          </a:bodyPr>
+          <a:lstStyle/>
+          <a:p>
+            <a:r>
+              <a:rPr lang="en-US" altLang="ko-KR" dirty="0"/>
+              <a:t>1</a:t>
+            </a:r>
+            <a:endParaRPr lang="ko-KR" altLang="en-US" dirty="0"/>
+          </a:p>
+        </p:txBody>
+      </p:sp>
+      <p:cxnSp>
+        <p:nvCxnSpPr>
+          <p:cNvPr id="20" name="직선 연결선 19"/>
+          <p:cNvCxnSpPr>
+            <a:stCxn id="12" idx="1"/>
+          </p:cNvCxnSpPr>
+          <p:nvPr/>
+        </p:nvCxnSpPr>
+        <p:spPr>
+          <a:xfrm flipH="1">
+            <a:off x="2021305" y="846221"/>
+            <a:ext cx="545432" cy="397042"/>
+          </a:xfrm>
+          <a:prstGeom prst="line">
+            <a:avLst/>
+          </a:prstGeom>
+        </p:spPr>
+        <p:style>
+          <a:lnRef idx="1">
+            <a:schemeClr val="accent1"/>
+          </a:lnRef>
+          <a:fillRef idx="0">
+            <a:schemeClr val="accent1"/>
+          </a:fillRef>
+          <a:effectRef idx="0">
+            <a:schemeClr val="accent1"/>
+          </a:effectRef>
+          <a:fontRef idx="minor">
+            <a:schemeClr val="tx1"/>
+          </a:fontRef>
+        </p:style>
+      </p:cxnSp>
+      <p:cxnSp>
+        <p:nvCxnSpPr>
+          <p:cNvPr id="22" name="직선 연결선 21"/>
+          <p:cNvCxnSpPr>
+            <a:stCxn id="13" idx="3"/>
+          </p:cNvCxnSpPr>
+          <p:nvPr/>
+        </p:nvCxnSpPr>
+        <p:spPr>
+          <a:xfrm flipV="1">
+            <a:off x="5542547" y="729914"/>
+            <a:ext cx="850232" cy="284749"/>
+          </a:xfrm>
+          <a:prstGeom prst="line">
+            <a:avLst/>
+          </a:prstGeom>
+        </p:spPr>
+        <p:style>
+          <a:lnRef idx="1">
+            <a:schemeClr val="accent1"/>
+          </a:lnRef>
+          <a:fillRef idx="0">
+            <a:schemeClr val="accent1"/>
+          </a:fillRef>
+          <a:effectRef idx="0">
+            <a:schemeClr val="accent1"/>
+          </a:effectRef>
+          <a:fontRef idx="minor">
+            <a:schemeClr val="tx1"/>
+          </a:fontRef>
+        </p:style>
+      </p:cxnSp>
+      <p:sp>
+        <p:nvSpPr>
+          <p:cNvPr id="23" name="TextBox 22"/>
+          <p:cNvSpPr txBox="1"/>
+          <p:nvPr/>
+        </p:nvSpPr>
+        <p:spPr>
+          <a:xfrm>
+            <a:off x="1740568" y="1058597"/>
+            <a:ext cx="272716" cy="369332"/>
+          </a:xfrm>
+          <a:prstGeom prst="rect">
+            <a:avLst/>
+          </a:prstGeom>
+          <a:noFill/>
+        </p:spPr>
+        <p:txBody>
+          <a:bodyPr wrap="square" rtlCol="0">
+            <a:spAutoFit/>
+          </a:bodyPr>
+          <a:lstStyle/>
+          <a:p>
+            <a:r>
+              <a:rPr lang="en-US" altLang="ko-KR" dirty="0"/>
+              <a:t>2</a:t>
+            </a:r>
+            <a:endParaRPr lang="ko-KR" altLang="en-US" dirty="0"/>
+          </a:p>
+        </p:txBody>
+      </p:sp>
+      <p:sp>
+        <p:nvSpPr>
+          <p:cNvPr id="25" name="TextBox 24"/>
+          <p:cNvSpPr txBox="1"/>
+          <p:nvPr/>
+        </p:nvSpPr>
+        <p:spPr>
+          <a:xfrm>
+            <a:off x="6392779" y="460846"/>
+            <a:ext cx="304800" cy="369332"/>
+          </a:xfrm>
+          <a:prstGeom prst="rect">
+            <a:avLst/>
+          </a:prstGeom>
+          <a:noFill/>
+        </p:spPr>
+        <p:txBody>
+          <a:bodyPr wrap="square" rtlCol="0">
+            <a:spAutoFit/>
+          </a:bodyPr>
+          <a:lstStyle/>
+          <a:p>
+            <a:r>
+              <a:rPr lang="en-US" altLang="ko-KR" dirty="0"/>
+              <a:t>3</a:t>
+            </a:r>
+            <a:endParaRPr lang="ko-KR" altLang="en-US" dirty="0"/>
+          </a:p>
+        </p:txBody>
+      </p:sp>
+      <p:sp>
+        <p:nvSpPr>
+          <p:cNvPr id="26" name="TextBox 25"/>
+          <p:cNvSpPr txBox="1"/>
+          <p:nvPr/>
+        </p:nvSpPr>
+        <p:spPr>
+          <a:xfrm>
+            <a:off x="10154653" y="2534653"/>
+            <a:ext cx="1957136" cy="369332"/>
+          </a:xfrm>
+          <a:prstGeom prst="rect">
+            <a:avLst/>
+          </a:prstGeom>
+          <a:noFill/>
+        </p:spPr>
+        <p:txBody>
+          <a:bodyPr wrap="square" rtlCol="0">
+            <a:spAutoFit/>
+          </a:bodyPr>
+          <a:lstStyle/>
+          <a:p>
+            <a:r>
+              <a:rPr lang="ko-KR" altLang="en-US" dirty="0"/>
+              <a:t>순서대로 클릭</a:t>
+            </a:r>
+          </a:p>
+        </p:txBody>
+      </p:sp>
+    </p:spTree>
+    <p:extLst>
+      <p:ext uri="{BB962C8B-B14F-4D97-AF65-F5344CB8AC3E}">
+        <p14:creationId xmlns:p14="http://schemas.microsoft.com/office/powerpoint/2010/main" val="3281796740"/>
+      </p:ext>
+    </p:extLst>
+  </p:cSld>
+  <p:clrMapOvr>
+    <a:masterClrMapping/>
+  </p:clrMapOvr>
+</p:sld>
+</file>
+
+<file path=ppt/slides/slide13.xml><?xml version="1.0" encoding="utf-8"?>
+<p:sld xmlns:a="http://schemas.openxmlformats.org/drawingml/2006/main" xmlns:r="http://schemas.openxmlformats.org/officeDocument/2006/relationships" xmlns:p="http://schemas.openxmlformats.org/presentationml/2006/main">
+  <p:cSld>
+    <p:spTree>
+      <p:nvGrpSpPr>
+        <p:cNvPr id="1" name=""/>
+        <p:cNvGrpSpPr/>
+        <p:nvPr/>
+      </p:nvGrpSpPr>
+      <p:grpSpPr>
+        <a:xfrm>
+          <a:off x="0" y="0"/>
+          <a:ext cx="0" cy="0"/>
+          <a:chOff x="0" y="0"/>
+          <a:chExt cx="0" cy="0"/>
+        </a:xfrm>
+      </p:grpSpPr>
+      <p:sp>
+        <p:nvSpPr>
+          <p:cNvPr id="5" name="제목 1"/>
+          <p:cNvSpPr>
+            <a:spLocks noGrp="1"/>
+          </p:cNvSpPr>
+          <p:nvPr>
+            <p:ph type="title"/>
+          </p:nvPr>
+        </p:nvSpPr>
+        <p:spPr>
+          <a:xfrm>
+            <a:off x="705852" y="0"/>
+            <a:ext cx="9601200" cy="300789"/>
+          </a:xfrm>
+        </p:spPr>
+        <p:txBody>
+          <a:bodyPr>
+            <a:normAutofit fontScale="90000"/>
+          </a:bodyPr>
+          <a:lstStyle/>
+          <a:p>
+            <a:r>
+              <a:rPr lang="en-US" altLang="ko-KR" sz="1800" dirty="0" err="1"/>
+              <a:t>Jupyter</a:t>
+            </a:r>
+            <a:r>
+              <a:rPr lang="en-US" altLang="ko-KR" sz="1800" dirty="0"/>
+              <a:t> Notebook</a:t>
+            </a:r>
+            <a:endParaRPr lang="ko-KR" altLang="en-US" sz="1800" dirty="0"/>
+          </a:p>
+        </p:txBody>
+      </p:sp>
+      <p:pic>
+        <p:nvPicPr>
+          <p:cNvPr id="2" name="그림 1"/>
+          <p:cNvPicPr>
+            <a:picLocks noChangeAspect="1"/>
+          </p:cNvPicPr>
+          <p:nvPr/>
+        </p:nvPicPr>
+        <p:blipFill>
+          <a:blip r:embed="rId2"/>
+          <a:stretch>
+            <a:fillRect/>
+          </a:stretch>
+        </p:blipFill>
+        <p:spPr>
+          <a:xfrm>
+            <a:off x="1042736" y="300789"/>
+            <a:ext cx="10858751" cy="6413700"/>
+          </a:xfrm>
+          <a:prstGeom prst="rect">
+            <a:avLst/>
+          </a:prstGeom>
+        </p:spPr>
+      </p:pic>
+      <p:sp>
+        <p:nvSpPr>
+          <p:cNvPr id="3" name="직사각형 2"/>
+          <p:cNvSpPr/>
+          <p:nvPr/>
+        </p:nvSpPr>
+        <p:spPr>
+          <a:xfrm>
+            <a:off x="6849979" y="5317958"/>
+            <a:ext cx="729916" cy="401053"/>
+          </a:xfrm>
+          <a:prstGeom prst="rect">
+            <a:avLst/>
+          </a:prstGeom>
+          <a:noFill/>
+          <a:ln>
+            <a:solidFill>
+              <a:srgbClr val="FF0000"/>
+            </a:solidFill>
+          </a:ln>
+        </p:spPr>
+        <p:style>
+          <a:lnRef idx="2">
+            <a:schemeClr val="accent1">
+              <a:shade val="50000"/>
+            </a:schemeClr>
+          </a:lnRef>
+          <a:fillRef idx="1">
+            <a:schemeClr val="accent1"/>
+          </a:fillRef>
+          <a:effectRef idx="0">
+            <a:schemeClr val="accent1"/>
+          </a:effectRef>
+          <a:fontRef idx="minor">
+            <a:schemeClr val="lt1"/>
+          </a:fontRef>
+        </p:style>
+        <p:txBody>
+          <a:bodyPr rtlCol="0" anchor="ctr"/>
+          <a:lstStyle/>
+          <a:p>
+            <a:pPr algn="ctr"/>
+            <a:endParaRPr lang="ko-KR" altLang="en-US"/>
+          </a:p>
+        </p:txBody>
+      </p:sp>
+      <p:cxnSp>
+        <p:nvCxnSpPr>
+          <p:cNvPr id="10" name="직선 연결선 9"/>
+          <p:cNvCxnSpPr>
+            <a:stCxn id="3" idx="3"/>
+          </p:cNvCxnSpPr>
+          <p:nvPr/>
+        </p:nvCxnSpPr>
+        <p:spPr>
+          <a:xfrm flipV="1">
+            <a:off x="7579895" y="5149516"/>
+            <a:ext cx="1203158" cy="368969"/>
+          </a:xfrm>
+          <a:prstGeom prst="line">
+            <a:avLst/>
+          </a:prstGeom>
+        </p:spPr>
+        <p:style>
+          <a:lnRef idx="1">
+            <a:schemeClr val="accent1"/>
+          </a:lnRef>
+          <a:fillRef idx="0">
+            <a:schemeClr val="accent1"/>
+          </a:fillRef>
+          <a:effectRef idx="0">
+            <a:schemeClr val="accent1"/>
+          </a:effectRef>
+          <a:fontRef idx="minor">
+            <a:schemeClr val="tx1"/>
+          </a:fontRef>
+        </p:style>
+      </p:cxnSp>
+      <p:sp>
+        <p:nvSpPr>
+          <p:cNvPr id="11" name="TextBox 10"/>
+          <p:cNvSpPr txBox="1"/>
+          <p:nvPr/>
+        </p:nvSpPr>
+        <p:spPr>
+          <a:xfrm>
+            <a:off x="8815138" y="4924926"/>
+            <a:ext cx="697832" cy="369332"/>
+          </a:xfrm>
+          <a:prstGeom prst="rect">
+            <a:avLst/>
+          </a:prstGeom>
+          <a:noFill/>
+        </p:spPr>
+        <p:txBody>
+          <a:bodyPr wrap="square" rtlCol="0">
+            <a:spAutoFit/>
+          </a:bodyPr>
+          <a:lstStyle/>
+          <a:p>
+            <a:r>
+              <a:rPr lang="ko-KR" altLang="en-US"/>
+              <a:t>클릭</a:t>
+            </a:r>
+          </a:p>
+        </p:txBody>
+      </p:sp>
+    </p:spTree>
+    <p:extLst>
+      <p:ext uri="{BB962C8B-B14F-4D97-AF65-F5344CB8AC3E}">
+        <p14:creationId xmlns:p14="http://schemas.microsoft.com/office/powerpoint/2010/main" val="1064692050"/>
+      </p:ext>
+    </p:extLst>
+  </p:cSld>
+  <p:clrMapOvr>
+    <a:masterClrMapping/>
+  </p:clrMapOvr>
+</p:sld>
+</file>
+
+<file path=ppt/slides/slide14.xml><?xml version="1.0" encoding="utf-8"?>
+<p:sld xmlns:a="http://schemas.openxmlformats.org/drawingml/2006/main" xmlns:r="http://schemas.openxmlformats.org/officeDocument/2006/relationships" xmlns:p="http://schemas.openxmlformats.org/presentationml/2006/main">
+  <p:cSld>
+    <p:spTree>
+      <p:nvGrpSpPr>
+        <p:cNvPr id="1" name=""/>
+        <p:cNvGrpSpPr/>
+        <p:nvPr/>
+      </p:nvGrpSpPr>
+      <p:grpSpPr>
+        <a:xfrm>
+          <a:off x="0" y="0"/>
+          <a:ext cx="0" cy="0"/>
+          <a:chOff x="0" y="0"/>
+          <a:chExt cx="0" cy="0"/>
+        </a:xfrm>
+      </p:grpSpPr>
+      <p:sp>
+        <p:nvSpPr>
+          <p:cNvPr id="5" name="제목 1"/>
+          <p:cNvSpPr>
+            <a:spLocks noGrp="1"/>
+          </p:cNvSpPr>
+          <p:nvPr>
+            <p:ph type="title"/>
+          </p:nvPr>
+        </p:nvSpPr>
+        <p:spPr>
+          <a:xfrm>
+            <a:off x="705852" y="0"/>
+            <a:ext cx="9601200" cy="300789"/>
+          </a:xfrm>
+        </p:spPr>
+        <p:txBody>
+          <a:bodyPr>
+            <a:normAutofit fontScale="90000"/>
+          </a:bodyPr>
+          <a:lstStyle/>
+          <a:p>
+            <a:r>
+              <a:rPr lang="en-US" altLang="ko-KR" sz="1800" dirty="0" err="1"/>
+              <a:t>Jupyter</a:t>
+            </a:r>
+            <a:r>
+              <a:rPr lang="en-US" altLang="ko-KR" sz="1800" dirty="0"/>
+              <a:t> Notebook</a:t>
+            </a:r>
+            <a:endParaRPr lang="ko-KR" altLang="en-US" sz="1800" dirty="0"/>
+          </a:p>
+        </p:txBody>
+      </p:sp>
+      <p:pic>
+        <p:nvPicPr>
+          <p:cNvPr id="4" name="그림 3"/>
+          <p:cNvPicPr>
+            <a:picLocks noChangeAspect="1"/>
+          </p:cNvPicPr>
+          <p:nvPr/>
+        </p:nvPicPr>
+        <p:blipFill>
+          <a:blip r:embed="rId2"/>
+          <a:stretch>
+            <a:fillRect/>
+          </a:stretch>
+        </p:blipFill>
+        <p:spPr>
+          <a:xfrm>
+            <a:off x="1518598" y="366285"/>
+            <a:ext cx="9154803" cy="6125430"/>
+          </a:xfrm>
+          <a:prstGeom prst="rect">
+            <a:avLst/>
+          </a:prstGeom>
+        </p:spPr>
+      </p:pic>
+      <p:sp>
+        <p:nvSpPr>
+          <p:cNvPr id="6" name="TextBox 5"/>
+          <p:cNvSpPr txBox="1"/>
+          <p:nvPr/>
+        </p:nvSpPr>
+        <p:spPr>
+          <a:xfrm>
+            <a:off x="5506452" y="3761873"/>
+            <a:ext cx="1171074" cy="369332"/>
+          </a:xfrm>
+          <a:prstGeom prst="rect">
+            <a:avLst/>
+          </a:prstGeom>
+          <a:noFill/>
+        </p:spPr>
+        <p:txBody>
+          <a:bodyPr wrap="square" rtlCol="0">
+            <a:spAutoFit/>
+          </a:bodyPr>
+          <a:lstStyle/>
+          <a:p>
+            <a:r>
+              <a:rPr lang="ko-KR" altLang="en-US"/>
+              <a:t>화면 등장</a:t>
+            </a:r>
+          </a:p>
+        </p:txBody>
+      </p:sp>
+    </p:spTree>
+    <p:extLst>
+      <p:ext uri="{BB962C8B-B14F-4D97-AF65-F5344CB8AC3E}">
+        <p14:creationId xmlns:p14="http://schemas.microsoft.com/office/powerpoint/2010/main" val="1622000567"/>
+      </p:ext>
+    </p:extLst>
+  </p:cSld>
+  <p:clrMapOvr>
+    <a:masterClrMapping/>
+  </p:clrMapOvr>
+</p:sld>
+</file>
+
+<file path=ppt/slides/slide15.xml><?xml version="1.0" encoding="utf-8"?>
+<p:sld xmlns:a="http://schemas.openxmlformats.org/drawingml/2006/main" xmlns:r="http://schemas.openxmlformats.org/officeDocument/2006/relationships" xmlns:p="http://schemas.openxmlformats.org/presentationml/2006/main">
+  <p:cSld>
+    <p:spTree>
+      <p:nvGrpSpPr>
+        <p:cNvPr id="1" name=""/>
+        <p:cNvGrpSpPr/>
+        <p:nvPr/>
+      </p:nvGrpSpPr>
+      <p:grpSpPr>
+        <a:xfrm>
+          <a:off x="0" y="0"/>
+          <a:ext cx="0" cy="0"/>
+          <a:chOff x="0" y="0"/>
+          <a:chExt cx="0" cy="0"/>
+        </a:xfrm>
+      </p:grpSpPr>
+      <p:sp>
+        <p:nvSpPr>
+          <p:cNvPr id="5" name="제목 1"/>
+          <p:cNvSpPr>
+            <a:spLocks noGrp="1"/>
+          </p:cNvSpPr>
+          <p:nvPr>
+            <p:ph type="title"/>
+          </p:nvPr>
+        </p:nvSpPr>
+        <p:spPr>
+          <a:xfrm>
+            <a:off x="705852" y="0"/>
+            <a:ext cx="9601200" cy="300789"/>
+          </a:xfrm>
+        </p:spPr>
+        <p:txBody>
+          <a:bodyPr>
+            <a:normAutofit fontScale="90000"/>
+          </a:bodyPr>
+          <a:lstStyle/>
+          <a:p>
+            <a:r>
+              <a:rPr lang="ko-KR" altLang="en-US" sz="1800" dirty="0"/>
+              <a:t>대화식 모드 및 스크립트 모드</a:t>
+            </a:r>
+          </a:p>
+        </p:txBody>
+      </p:sp>
+      <p:pic>
+        <p:nvPicPr>
+          <p:cNvPr id="2" name="그림 1"/>
+          <p:cNvPicPr>
+            <a:picLocks noChangeAspect="1"/>
+          </p:cNvPicPr>
+          <p:nvPr/>
+        </p:nvPicPr>
+        <p:blipFill>
+          <a:blip r:embed="rId2"/>
+          <a:stretch>
+            <a:fillRect/>
+          </a:stretch>
+        </p:blipFill>
+        <p:spPr>
+          <a:xfrm>
+            <a:off x="1580520" y="990259"/>
+            <a:ext cx="9030960" cy="4877481"/>
+          </a:xfrm>
+          <a:prstGeom prst="rect">
+            <a:avLst/>
+          </a:prstGeom>
+        </p:spPr>
+      </p:pic>
+      <p:pic>
+        <p:nvPicPr>
+          <p:cNvPr id="4" name="그림 3"/>
+          <p:cNvPicPr>
+            <a:picLocks noChangeAspect="1"/>
+          </p:cNvPicPr>
+          <p:nvPr/>
+        </p:nvPicPr>
+        <p:blipFill>
+          <a:blip r:embed="rId3"/>
+          <a:stretch>
+            <a:fillRect/>
+          </a:stretch>
+        </p:blipFill>
+        <p:spPr>
+          <a:xfrm>
+            <a:off x="598874" y="2174101"/>
+            <a:ext cx="1702796" cy="2221037"/>
+          </a:xfrm>
+          <a:prstGeom prst="rect">
+            <a:avLst/>
+          </a:prstGeom>
+        </p:spPr>
+      </p:pic>
+    </p:spTree>
+    <p:extLst>
+      <p:ext uri="{BB962C8B-B14F-4D97-AF65-F5344CB8AC3E}">
+        <p14:creationId xmlns:p14="http://schemas.microsoft.com/office/powerpoint/2010/main" val="3053681467"/>
+      </p:ext>
+    </p:extLst>
+  </p:cSld>
+  <p:clrMapOvr>
+    <a:masterClrMapping/>
+  </p:clrMapOvr>
+</p:sld>
+</file>
+
+<file path=ppt/slides/slide16.xml><?xml version="1.0" encoding="utf-8"?>
+<p:sld xmlns:a="http://schemas.openxmlformats.org/drawingml/2006/main" xmlns:r="http://schemas.openxmlformats.org/officeDocument/2006/relationships" xmlns:p="http://schemas.openxmlformats.org/presentationml/2006/main">
+  <p:cSld>
+    <p:spTree>
+      <p:nvGrpSpPr>
+        <p:cNvPr id="1" name=""/>
+        <p:cNvGrpSpPr/>
+        <p:nvPr/>
+      </p:nvGrpSpPr>
+      <p:grpSpPr>
+        <a:xfrm>
+          <a:off x="0" y="0"/>
+          <a:ext cx="0" cy="0"/>
+          <a:chOff x="0" y="0"/>
+          <a:chExt cx="0" cy="0"/>
+        </a:xfrm>
+      </p:grpSpPr>
+      <p:sp>
+        <p:nvSpPr>
+          <p:cNvPr id="5" name="제목 1"/>
+          <p:cNvSpPr>
+            <a:spLocks noGrp="1"/>
+          </p:cNvSpPr>
+          <p:nvPr>
+            <p:ph type="title"/>
+          </p:nvPr>
+        </p:nvSpPr>
+        <p:spPr>
+          <a:xfrm>
+            <a:off x="705852" y="0"/>
+            <a:ext cx="9601200" cy="300789"/>
+          </a:xfrm>
+        </p:spPr>
+        <p:txBody>
+          <a:bodyPr>
+            <a:normAutofit fontScale="90000"/>
+          </a:bodyPr>
+          <a:lstStyle/>
+          <a:p>
+            <a:r>
+              <a:rPr lang="ko-KR" altLang="en-US" sz="1800" dirty="0"/>
+              <a:t>계산기 수준의 연습</a:t>
+            </a:r>
+          </a:p>
+        </p:txBody>
+      </p:sp>
+      <p:pic>
+        <p:nvPicPr>
+          <p:cNvPr id="2" name="그림 1">
+            <a:extLst>
+              <a:ext uri="{FF2B5EF4-FFF2-40B4-BE49-F238E27FC236}">
+                <a16:creationId xmlns:a16="http://schemas.microsoft.com/office/drawing/2014/main" id="{74A2A3B2-038F-3575-8610-73CD6C85B18A}"/>
+              </a:ext>
+            </a:extLst>
+          </p:cNvPr>
+          <p:cNvPicPr>
+            <a:picLocks noChangeAspect="1"/>
+          </p:cNvPicPr>
+          <p:nvPr/>
+        </p:nvPicPr>
+        <p:blipFill>
+          <a:blip r:embed="rId2"/>
+          <a:stretch>
+            <a:fillRect/>
+          </a:stretch>
+        </p:blipFill>
+        <p:spPr>
+          <a:xfrm>
+            <a:off x="4004659" y="2006202"/>
+            <a:ext cx="4182682" cy="2845596"/>
+          </a:xfrm>
+          <a:prstGeom prst="rect">
+            <a:avLst/>
+          </a:prstGeom>
+        </p:spPr>
+      </p:pic>
+      <p:pic>
+        <p:nvPicPr>
+          <p:cNvPr id="4" name="그림 3">
+            <a:extLst>
+              <a:ext uri="{FF2B5EF4-FFF2-40B4-BE49-F238E27FC236}">
+                <a16:creationId xmlns:a16="http://schemas.microsoft.com/office/drawing/2014/main" id="{BE832548-EF8B-72E2-7CD9-A4B9DE4D26A4}"/>
+              </a:ext>
+            </a:extLst>
+          </p:cNvPr>
+          <p:cNvPicPr>
+            <a:picLocks noChangeAspect="1"/>
+          </p:cNvPicPr>
+          <p:nvPr/>
+        </p:nvPicPr>
+        <p:blipFill>
+          <a:blip r:embed="rId3"/>
+          <a:stretch>
+            <a:fillRect/>
+          </a:stretch>
+        </p:blipFill>
+        <p:spPr>
+          <a:xfrm>
+            <a:off x="2352152" y="356759"/>
+            <a:ext cx="7487695" cy="6144482"/>
+          </a:xfrm>
+          <a:prstGeom prst="rect">
+            <a:avLst/>
+          </a:prstGeom>
+        </p:spPr>
+      </p:pic>
+    </p:spTree>
+    <p:extLst>
+      <p:ext uri="{BB962C8B-B14F-4D97-AF65-F5344CB8AC3E}">
+        <p14:creationId xmlns:p14="http://schemas.microsoft.com/office/powerpoint/2010/main" val="4157560539"/>
+      </p:ext>
+    </p:extLst>
+  </p:cSld>
+  <p:clrMapOvr>
+    <a:masterClrMapping/>
+  </p:clrMapOvr>
+</p:sld>
+</file>
+
+<file path=ppt/slides/slide17.xml><?xml version="1.0" encoding="utf-8"?>
+<p:sld xmlns:a="http://schemas.openxmlformats.org/drawingml/2006/main" xmlns:r="http://schemas.openxmlformats.org/officeDocument/2006/relationships" xmlns:p="http://schemas.openxmlformats.org/presentationml/2006/main">
+  <p:cSld>
+    <p:spTree>
+      <p:nvGrpSpPr>
+        <p:cNvPr id="1" name=""/>
+        <p:cNvGrpSpPr/>
+        <p:nvPr/>
+      </p:nvGrpSpPr>
+      <p:grpSpPr>
+        <a:xfrm>
+          <a:off x="0" y="0"/>
+          <a:ext cx="0" cy="0"/>
+          <a:chOff x="0" y="0"/>
+          <a:chExt cx="0" cy="0"/>
+        </a:xfrm>
+      </p:grpSpPr>
+      <p:sp>
+        <p:nvSpPr>
+          <p:cNvPr id="5" name="제목 1"/>
+          <p:cNvSpPr>
+            <a:spLocks noGrp="1"/>
+          </p:cNvSpPr>
+          <p:nvPr>
+            <p:ph type="title"/>
+          </p:nvPr>
+        </p:nvSpPr>
+        <p:spPr>
+          <a:xfrm>
+            <a:off x="705852" y="0"/>
+            <a:ext cx="9601200" cy="300789"/>
+          </a:xfrm>
+        </p:spPr>
+        <p:txBody>
+          <a:bodyPr>
+            <a:normAutofit fontScale="90000"/>
+          </a:bodyPr>
+          <a:lstStyle/>
+          <a:p>
+            <a:r>
+              <a:rPr lang="ko-KR" altLang="en-US" sz="1800" dirty="0"/>
+              <a:t>처음 프로그램 작성</a:t>
+            </a:r>
+            <a:r>
+              <a:rPr lang="en-US" altLang="ko-KR" sz="1800" dirty="0"/>
+              <a:t>(</a:t>
+            </a:r>
+            <a:r>
+              <a:rPr lang="ko-KR" altLang="en-US" sz="1800" dirty="0"/>
+              <a:t>구구단 </a:t>
+            </a:r>
+            <a:r>
+              <a:rPr lang="en-US" altLang="ko-KR" sz="1800" dirty="0"/>
+              <a:t>2</a:t>
+            </a:r>
+            <a:r>
+              <a:rPr lang="ko-KR" altLang="en-US" sz="1800" dirty="0"/>
+              <a:t>단</a:t>
+            </a:r>
+            <a:r>
+              <a:rPr lang="en-US" altLang="ko-KR" sz="1800" dirty="0"/>
+              <a:t>)</a:t>
+            </a:r>
+            <a:endParaRPr lang="ko-KR" altLang="en-US" sz="1800" dirty="0"/>
+          </a:p>
+        </p:txBody>
+      </p:sp>
+      <p:pic>
+        <p:nvPicPr>
+          <p:cNvPr id="6" name="그림 5">
+            <a:extLst>
+              <a:ext uri="{FF2B5EF4-FFF2-40B4-BE49-F238E27FC236}">
+                <a16:creationId xmlns:a16="http://schemas.microsoft.com/office/drawing/2014/main" id="{04661EC3-8A3C-44D4-0032-FE7AEE2CF52B}"/>
+              </a:ext>
+            </a:extLst>
+          </p:cNvPr>
+          <p:cNvPicPr>
+            <a:picLocks noChangeAspect="1"/>
+          </p:cNvPicPr>
+          <p:nvPr/>
+        </p:nvPicPr>
+        <p:blipFill>
+          <a:blip r:embed="rId2"/>
+          <a:stretch>
+            <a:fillRect/>
+          </a:stretch>
+        </p:blipFill>
+        <p:spPr>
+          <a:xfrm>
+            <a:off x="3312340" y="2040414"/>
+            <a:ext cx="5567320" cy="2777172"/>
+          </a:xfrm>
+          <a:prstGeom prst="rect">
+            <a:avLst/>
+          </a:prstGeom>
+        </p:spPr>
+      </p:pic>
+    </p:spTree>
+    <p:extLst>
+      <p:ext uri="{BB962C8B-B14F-4D97-AF65-F5344CB8AC3E}">
+        <p14:creationId xmlns:p14="http://schemas.microsoft.com/office/powerpoint/2010/main" val="2188688144"/>
+      </p:ext>
+    </p:extLst>
+  </p:cSld>
+  <p:clrMapOvr>
+    <a:masterClrMapping/>
+  </p:clrMapOvr>
+</p:sld>
+</file>
+
+<file path=ppt/slides/slide18.xml><?xml version="1.0" encoding="utf-8"?>
+<p:sld xmlns:a="http://schemas.openxmlformats.org/drawingml/2006/main" xmlns:r="http://schemas.openxmlformats.org/officeDocument/2006/relationships" xmlns:p="http://schemas.openxmlformats.org/presentationml/2006/main">
+  <p:cSld>
+    <p:spTree>
+      <p:nvGrpSpPr>
+        <p:cNvPr id="1" name=""/>
+        <p:cNvGrpSpPr/>
+        <p:nvPr/>
+      </p:nvGrpSpPr>
+      <p:grpSpPr>
+        <a:xfrm>
+          <a:off x="0" y="0"/>
+          <a:ext cx="0" cy="0"/>
+          <a:chOff x="0" y="0"/>
+          <a:chExt cx="0" cy="0"/>
+        </a:xfrm>
+      </p:grpSpPr>
+      <p:sp>
+        <p:nvSpPr>
+          <p:cNvPr id="5" name="제목 1"/>
+          <p:cNvSpPr>
+            <a:spLocks noGrp="1"/>
+          </p:cNvSpPr>
+          <p:nvPr>
+            <p:ph type="title"/>
+          </p:nvPr>
+        </p:nvSpPr>
+        <p:spPr>
+          <a:xfrm>
+            <a:off x="705852" y="0"/>
+            <a:ext cx="9601200" cy="300789"/>
+          </a:xfrm>
+        </p:spPr>
+        <p:txBody>
+          <a:bodyPr>
+            <a:normAutofit fontScale="90000"/>
+          </a:bodyPr>
+          <a:lstStyle/>
+          <a:p>
+            <a:r>
               <a:rPr lang="ko-KR" altLang="en-US" sz="1800" dirty="0"/>
               <a:t>한번 더 프로그램 작성</a:t>
             </a:r>
@@ -4161,7 +5441,7 @@
 </p:sld>
 </file>
 
-<file path=ppt/slides/slide13.xml><?xml version="1.0" encoding="utf-8"?>
+<file path=ppt/slides/slide19.xml><?xml version="1.0" encoding="utf-8"?>
 <p:sld xmlns:a="http://schemas.openxmlformats.org/drawingml/2006/main" xmlns:r="http://schemas.openxmlformats.org/officeDocument/2006/relationships" xmlns:p="http://schemas.openxmlformats.org/presentationml/2006/main">
   <p:cSld>
     <p:spTree>
@@ -4263,7 +5543,7 @@
       </p:grpSpPr>
       <p:sp>
         <p:nvSpPr>
-          <p:cNvPr id="2" name="제목 1"/>
+          <p:cNvPr id="5" name="제목 1"/>
           <p:cNvSpPr>
             <a:spLocks noGrp="1"/>
           </p:cNvSpPr>
@@ -4273,7 +5553,7 @@
         </p:nvSpPr>
         <p:spPr>
           <a:xfrm>
-            <a:off x="721894" y="0"/>
+            <a:off x="705852" y="0"/>
             <a:ext cx="9601200" cy="300789"/>
           </a:xfrm>
         </p:spPr>
@@ -4284,12 +5564,8 @@
           <a:lstStyle/>
           <a:p>
             <a:r>
-              <a:rPr lang="ko-KR" altLang="en-US" sz="1800" dirty="0" err="1"/>
-              <a:t>파이썬</a:t>
-            </a:r>
-            <a:r>
               <a:rPr lang="ko-KR" altLang="en-US" sz="1800" dirty="0"/>
-              <a:t> 다운로드</a:t>
+              <a:t>파이썬 다운로드</a:t>
             </a:r>
             <a:r>
               <a:rPr lang="en-US" altLang="ko-KR" sz="1800" dirty="0"/>
@@ -4312,7 +5588,13 @@
       </p:sp>
       <p:pic>
         <p:nvPicPr>
-          <p:cNvPr id="4" name="그림 3"/>
+          <p:cNvPr id="4" name="그림 3">
+            <a:extLst>
+              <a:ext uri="{FF2B5EF4-FFF2-40B4-BE49-F238E27FC236}">
+                <a16:creationId xmlns:a16="http://schemas.microsoft.com/office/drawing/2014/main" id="{BE832548-EF8B-72E2-7CD9-A4B9DE4D26A4}"/>
+              </a:ext>
+            </a:extLst>
+          </p:cNvPr>
           <p:cNvPicPr>
             <a:picLocks noChangeAspect="1"/>
           </p:cNvPicPr>
@@ -4326,8 +5608,8 @@
         </p:blipFill>
         <p:spPr>
           <a:xfrm>
-            <a:off x="721894" y="397042"/>
-            <a:ext cx="10533220" cy="6358335"/>
+            <a:off x="2352152" y="356759"/>
+            <a:ext cx="7487695" cy="6144482"/>
           </a:xfrm>
           <a:prstGeom prst="rect">
             <a:avLst/>
@@ -4336,59 +5618,20 @@
       </p:pic>
       <p:sp>
         <p:nvSpPr>
-          <p:cNvPr id="5" name="TextBox 4"/>
-          <p:cNvSpPr txBox="1"/>
-          <p:nvPr/>
-        </p:nvSpPr>
-        <p:spPr>
-          <a:xfrm>
-            <a:off x="6104021" y="1058779"/>
-            <a:ext cx="3200400" cy="369332"/>
-          </a:xfrm>
-          <a:prstGeom prst="rect">
-            <a:avLst/>
-          </a:prstGeom>
-          <a:noFill/>
-        </p:spPr>
-        <p:txBody>
-          <a:bodyPr wrap="square" rtlCol="0">
-            <a:spAutoFit/>
-          </a:bodyPr>
-          <a:lstStyle/>
-          <a:p>
-            <a:r>
-              <a:rPr lang="ko-KR" altLang="en-US" dirty="0" err="1"/>
-              <a:t>구글에</a:t>
-            </a:r>
-            <a:r>
-              <a:rPr lang="ko-KR" altLang="en-US" dirty="0"/>
-              <a:t> </a:t>
-            </a:r>
-            <a:r>
-              <a:rPr lang="en-US" altLang="ko-KR" dirty="0" err="1"/>
-              <a:t>Jupyter</a:t>
-            </a:r>
-            <a:r>
-              <a:rPr lang="en-US" altLang="ko-KR" dirty="0"/>
-              <a:t> Notebook </a:t>
-            </a:r>
-            <a:r>
-              <a:rPr lang="ko-KR" altLang="en-US" dirty="0"/>
-              <a:t>검색</a:t>
-            </a:r>
-          </a:p>
-        </p:txBody>
-      </p:sp>
-      <p:sp>
-        <p:nvSpPr>
-          <p:cNvPr id="6" name="직사각형 5"/>
+          <p:cNvPr id="3" name="직사각형 2">
+            <a:extLst>
+              <a:ext uri="{FF2B5EF4-FFF2-40B4-BE49-F238E27FC236}">
+                <a16:creationId xmlns:a16="http://schemas.microsoft.com/office/drawing/2014/main" id="{7CCE497C-C8C0-DD10-46D3-BFDC41284626}"/>
+              </a:ext>
+            </a:extLst>
+          </p:cNvPr>
           <p:cNvSpPr/>
           <p:nvPr/>
         </p:nvSpPr>
         <p:spPr>
           <a:xfrm>
-            <a:off x="1909011" y="1138989"/>
-            <a:ext cx="786063" cy="176464"/>
+            <a:off x="2352152" y="1615858"/>
+            <a:ext cx="3297086" cy="676405"/>
           </a:xfrm>
           <a:prstGeom prst="rect">
             <a:avLst/>
@@ -4425,10 +5668,49 @@
           </a:p>
         </p:txBody>
       </p:sp>
+      <p:sp>
+        <p:nvSpPr>
+          <p:cNvPr id="6" name="TextBox 5">
+            <a:extLst>
+              <a:ext uri="{FF2B5EF4-FFF2-40B4-BE49-F238E27FC236}">
+                <a16:creationId xmlns:a16="http://schemas.microsoft.com/office/drawing/2014/main" id="{628494FF-C447-540B-5F50-A6D9026BEF51}"/>
+              </a:ext>
+            </a:extLst>
+          </p:cNvPr>
+          <p:cNvSpPr txBox="1"/>
+          <p:nvPr/>
+        </p:nvSpPr>
+        <p:spPr>
+          <a:xfrm>
+            <a:off x="705852" y="1758946"/>
+            <a:ext cx="1766170" cy="646331"/>
+          </a:xfrm>
+          <a:prstGeom prst="rect">
+            <a:avLst/>
+          </a:prstGeom>
+          <a:noFill/>
+        </p:spPr>
+        <p:txBody>
+          <a:bodyPr wrap="square" rtlCol="0">
+            <a:spAutoFit/>
+          </a:bodyPr>
+          <a:lstStyle/>
+          <a:p>
+            <a:r>
+              <a:rPr lang="en-US" altLang="ko-KR"/>
+              <a:t>Microsoft store </a:t>
+            </a:r>
+            <a:r>
+              <a:rPr lang="ko-KR" altLang="en-US" dirty="0"/>
+              <a:t>클릭</a:t>
+            </a:r>
+          </a:p>
+        </p:txBody>
+      </p:sp>
     </p:spTree>
     <p:extLst>
       <p:ext uri="{BB962C8B-B14F-4D97-AF65-F5344CB8AC3E}">
-        <p14:creationId xmlns:p14="http://schemas.microsoft.com/office/powerpoint/2010/main" val="2568336094"/>
+        <p14:creationId xmlns:p14="http://schemas.microsoft.com/office/powerpoint/2010/main" val="2205452801"/>
       </p:ext>
     </p:extLst>
   </p:cSld>
@@ -4457,7 +5739,7 @@
       </p:grpSpPr>
       <p:sp>
         <p:nvSpPr>
-          <p:cNvPr id="2" name="제목 1"/>
+          <p:cNvPr id="5" name="제목 1"/>
           <p:cNvSpPr>
             <a:spLocks noGrp="1"/>
           </p:cNvSpPr>
@@ -4467,7 +5749,7 @@
         </p:nvSpPr>
         <p:spPr>
           <a:xfrm>
-            <a:off x="721894" y="0"/>
+            <a:off x="705852" y="0"/>
             <a:ext cx="9601200" cy="300789"/>
           </a:xfrm>
         </p:spPr>
@@ -4478,12 +5760,8 @@
           <a:lstStyle/>
           <a:p>
             <a:r>
-              <a:rPr lang="ko-KR" altLang="en-US" sz="1800" dirty="0" err="1"/>
-              <a:t>파이썬</a:t>
-            </a:r>
-            <a:r>
               <a:rPr lang="ko-KR" altLang="en-US" sz="1800" dirty="0"/>
-              <a:t> 다운로드</a:t>
+              <a:t>파이썬 다운로드</a:t>
             </a:r>
             <a:r>
               <a:rPr lang="en-US" altLang="ko-KR" sz="1800" dirty="0"/>
@@ -4506,7 +5784,13 @@
       </p:sp>
       <p:pic>
         <p:nvPicPr>
-          <p:cNvPr id="6" name="그림 5"/>
+          <p:cNvPr id="3" name="그림 2">
+            <a:extLst>
+              <a:ext uri="{FF2B5EF4-FFF2-40B4-BE49-F238E27FC236}">
+                <a16:creationId xmlns:a16="http://schemas.microsoft.com/office/drawing/2014/main" id="{145EF605-ECFA-617D-BF9C-A28BF750E8B7}"/>
+              </a:ext>
+            </a:extLst>
+          </p:cNvPr>
           <p:cNvPicPr>
             <a:picLocks noChangeAspect="1"/>
           </p:cNvPicPr>
@@ -4520,8 +5804,8 @@
         </p:blipFill>
         <p:spPr>
           <a:xfrm>
-            <a:off x="721894" y="397042"/>
-            <a:ext cx="10533220" cy="6358335"/>
+            <a:off x="1691014" y="391836"/>
+            <a:ext cx="8123119" cy="6466164"/>
           </a:xfrm>
           <a:prstGeom prst="rect">
             <a:avLst/>
@@ -4530,14 +5814,20 @@
       </p:pic>
       <p:sp>
         <p:nvSpPr>
-          <p:cNvPr id="3" name="직사각형 2"/>
+          <p:cNvPr id="4" name="직사각형 3">
+            <a:extLst>
+              <a:ext uri="{FF2B5EF4-FFF2-40B4-BE49-F238E27FC236}">
+                <a16:creationId xmlns:a16="http://schemas.microsoft.com/office/drawing/2014/main" id="{68A8D1C1-B648-9591-07A5-2A2C46EE413C}"/>
+              </a:ext>
+            </a:extLst>
+          </p:cNvPr>
           <p:cNvSpPr/>
           <p:nvPr/>
         </p:nvSpPr>
         <p:spPr>
           <a:xfrm>
-            <a:off x="1892968" y="2149642"/>
-            <a:ext cx="1050758" cy="240632"/>
+            <a:off x="3707704" y="391836"/>
+            <a:ext cx="588723" cy="300789"/>
           </a:xfrm>
           <a:prstGeom prst="rect">
             <a:avLst/>
@@ -4576,20 +5866,30 @@
       </p:sp>
       <p:cxnSp>
         <p:nvCxnSpPr>
-          <p:cNvPr id="10" name="직선 연결선 9"/>
+          <p:cNvPr id="7" name="직선 화살표 연결선 6">
+            <a:extLst>
+              <a:ext uri="{FF2B5EF4-FFF2-40B4-BE49-F238E27FC236}">
+                <a16:creationId xmlns:a16="http://schemas.microsoft.com/office/drawing/2014/main" id="{9402FB46-63DE-3AF7-D280-89B172D240FD}"/>
+              </a:ext>
+            </a:extLst>
+          </p:cNvPr>
           <p:cNvCxnSpPr>
-            <a:stCxn id="3" idx="3"/>
+            <a:cxnSpLocks/>
+            <a:stCxn id="4" idx="3"/>
           </p:cNvCxnSpPr>
           <p:nvPr/>
         </p:nvCxnSpPr>
         <p:spPr>
-          <a:xfrm flipV="1">
-            <a:off x="2943726" y="2061411"/>
-            <a:ext cx="521369" cy="208547"/>
-          </a:xfrm>
-          <a:prstGeom prst="line">
+          <a:xfrm>
+            <a:off x="4296427" y="542231"/>
+            <a:ext cx="923789" cy="0"/>
+          </a:xfrm>
+          <a:prstGeom prst="straightConnector1">
             <a:avLst/>
           </a:prstGeom>
+          <a:ln>
+            <a:tailEnd type="triangle"/>
+          </a:ln>
         </p:spPr>
         <p:style>
           <a:lnRef idx="1">
@@ -4608,14 +5908,20 @@
       </p:cxnSp>
       <p:sp>
         <p:nvSpPr>
-          <p:cNvPr id="12" name="TextBox 11"/>
+          <p:cNvPr id="8" name="TextBox 7">
+            <a:extLst>
+              <a:ext uri="{FF2B5EF4-FFF2-40B4-BE49-F238E27FC236}">
+                <a16:creationId xmlns:a16="http://schemas.microsoft.com/office/drawing/2014/main" id="{A78BE036-2041-52D0-6DAD-25E72FF76A39}"/>
+              </a:ext>
+            </a:extLst>
+          </p:cNvPr>
           <p:cNvSpPr txBox="1"/>
           <p:nvPr/>
         </p:nvSpPr>
         <p:spPr>
           <a:xfrm>
-            <a:off x="3473116" y="1876745"/>
-            <a:ext cx="649705" cy="369332"/>
+            <a:off x="5220216" y="340153"/>
+            <a:ext cx="1402915" cy="369332"/>
           </a:xfrm>
           <a:prstGeom prst="rect">
             <a:avLst/>
@@ -4629,8 +5935,12 @@
           <a:lstStyle/>
           <a:p>
             <a:r>
+              <a:rPr lang="en-US" altLang="ko-KR" dirty="0"/>
+              <a:t>Python</a:t>
+            </a:r>
+            <a:r>
               <a:rPr lang="ko-KR" altLang="en-US" dirty="0"/>
-              <a:t>클릭</a:t>
+              <a:t> 검색</a:t>
             </a:r>
           </a:p>
         </p:txBody>
@@ -4638,7 +5948,7 @@
     </p:spTree>
     <p:extLst>
       <p:ext uri="{BB962C8B-B14F-4D97-AF65-F5344CB8AC3E}">
-        <p14:creationId xmlns:p14="http://schemas.microsoft.com/office/powerpoint/2010/main" val="2836450880"/>
+        <p14:creationId xmlns:p14="http://schemas.microsoft.com/office/powerpoint/2010/main" val="1890869263"/>
       </p:ext>
     </p:extLst>
   </p:cSld>
@@ -4667,7 +5977,7 @@
       </p:grpSpPr>
       <p:sp>
         <p:nvSpPr>
-          <p:cNvPr id="2" name="제목 1"/>
+          <p:cNvPr id="5" name="제목 1"/>
           <p:cNvSpPr>
             <a:spLocks noGrp="1"/>
           </p:cNvSpPr>
@@ -4677,7 +5987,7 @@
         </p:nvSpPr>
         <p:spPr>
           <a:xfrm>
-            <a:off x="721894" y="0"/>
+            <a:off x="705852" y="0"/>
             <a:ext cx="9601200" cy="300789"/>
           </a:xfrm>
         </p:spPr>
@@ -4688,12 +5998,8 @@
           <a:lstStyle/>
           <a:p>
             <a:r>
-              <a:rPr lang="ko-KR" altLang="en-US" sz="1800" dirty="0" err="1"/>
-              <a:t>파이썬</a:t>
-            </a:r>
-            <a:r>
               <a:rPr lang="ko-KR" altLang="en-US" sz="1800" dirty="0"/>
-              <a:t> 다운로드</a:t>
+              <a:t>파이썬 다운로드</a:t>
             </a:r>
             <a:r>
               <a:rPr lang="en-US" altLang="ko-KR" sz="1800" dirty="0"/>
@@ -4716,7 +6022,13 @@
       </p:sp>
       <p:pic>
         <p:nvPicPr>
-          <p:cNvPr id="4" name="그림 3"/>
+          <p:cNvPr id="7" name="그림 6">
+            <a:extLst>
+              <a:ext uri="{FF2B5EF4-FFF2-40B4-BE49-F238E27FC236}">
+                <a16:creationId xmlns:a16="http://schemas.microsoft.com/office/drawing/2014/main" id="{ED97FED2-F7FE-4315-3266-5A3A08BDAF24}"/>
+              </a:ext>
+            </a:extLst>
+          </p:cNvPr>
           <p:cNvPicPr>
             <a:picLocks noChangeAspect="1"/>
           </p:cNvPicPr>
@@ -4730,8 +6042,8 @@
         </p:blipFill>
         <p:spPr>
           <a:xfrm>
-            <a:off x="721894" y="300789"/>
-            <a:ext cx="11317705" cy="6393366"/>
+            <a:off x="2104373" y="440752"/>
+            <a:ext cx="8572000" cy="6417247"/>
           </a:xfrm>
           <a:prstGeom prst="rect">
             <a:avLst/>
@@ -4740,14 +6052,20 @@
       </p:pic>
       <p:sp>
         <p:nvSpPr>
-          <p:cNvPr id="5" name="직사각형 4"/>
+          <p:cNvPr id="8" name="직사각형 7">
+            <a:extLst>
+              <a:ext uri="{FF2B5EF4-FFF2-40B4-BE49-F238E27FC236}">
+                <a16:creationId xmlns:a16="http://schemas.microsoft.com/office/drawing/2014/main" id="{C798D9E1-6995-085B-FFA1-35E2C6797E7B}"/>
+              </a:ext>
+            </a:extLst>
+          </p:cNvPr>
           <p:cNvSpPr/>
           <p:nvPr/>
         </p:nvSpPr>
         <p:spPr>
           <a:xfrm>
-            <a:off x="6521116" y="3376863"/>
-            <a:ext cx="1187116" cy="336884"/>
+            <a:off x="2467627" y="1753644"/>
+            <a:ext cx="2630466" cy="2642992"/>
           </a:xfrm>
           <a:prstGeom prst="rect">
             <a:avLst/>
@@ -4784,46 +6102,22 @@
           </a:p>
         </p:txBody>
       </p:sp>
-      <p:cxnSp>
-        <p:nvCxnSpPr>
-          <p:cNvPr id="8" name="직선 연결선 7"/>
-          <p:cNvCxnSpPr/>
-          <p:nvPr/>
-        </p:nvCxnSpPr>
-        <p:spPr>
-          <a:xfrm>
-            <a:off x="7331242" y="3713747"/>
-            <a:ext cx="256674" cy="513348"/>
-          </a:xfrm>
-          <a:prstGeom prst="line">
-            <a:avLst/>
-          </a:prstGeom>
-        </p:spPr>
-        <p:style>
-          <a:lnRef idx="1">
-            <a:schemeClr val="accent1"/>
-          </a:lnRef>
-          <a:fillRef idx="0">
-            <a:schemeClr val="accent1"/>
-          </a:fillRef>
-          <a:effectRef idx="0">
-            <a:schemeClr val="accent1"/>
-          </a:effectRef>
-          <a:fontRef idx="minor">
-            <a:schemeClr val="tx1"/>
-          </a:fontRef>
-        </p:style>
-      </p:cxnSp>
-      <p:sp>
-        <p:nvSpPr>
-          <p:cNvPr id="9" name="TextBox 8"/>
+      <p:sp>
+        <p:nvSpPr>
+          <p:cNvPr id="9" name="TextBox 8">
+            <a:extLst>
+              <a:ext uri="{FF2B5EF4-FFF2-40B4-BE49-F238E27FC236}">
+                <a16:creationId xmlns:a16="http://schemas.microsoft.com/office/drawing/2014/main" id="{CA141F3C-03CA-03EA-4B20-99D181E47411}"/>
+              </a:ext>
+            </a:extLst>
+          </p:cNvPr>
           <p:cNvSpPr txBox="1"/>
           <p:nvPr/>
         </p:nvSpPr>
         <p:spPr>
           <a:xfrm>
-            <a:off x="7307179" y="4267200"/>
-            <a:ext cx="882316" cy="369332"/>
+            <a:off x="1039660" y="2890474"/>
+            <a:ext cx="1064713" cy="369332"/>
           </a:xfrm>
           <a:prstGeom prst="rect">
             <a:avLst/>
@@ -4846,7 +6140,7 @@
     </p:spTree>
     <p:extLst>
       <p:ext uri="{BB962C8B-B14F-4D97-AF65-F5344CB8AC3E}">
-        <p14:creationId xmlns:p14="http://schemas.microsoft.com/office/powerpoint/2010/main" val="3011957679"/>
+        <p14:creationId xmlns:p14="http://schemas.microsoft.com/office/powerpoint/2010/main" val="3059619018"/>
       </p:ext>
     </p:extLst>
   </p:cSld>
@@ -4873,9 +6167,60 @@
           <a:chExt cx="0" cy="0"/>
         </a:xfrm>
       </p:grpSpPr>
+      <p:sp>
+        <p:nvSpPr>
+          <p:cNvPr id="5" name="제목 1"/>
+          <p:cNvSpPr>
+            <a:spLocks noGrp="1"/>
+          </p:cNvSpPr>
+          <p:nvPr>
+            <p:ph type="title"/>
+          </p:nvPr>
+        </p:nvSpPr>
+        <p:spPr>
+          <a:xfrm>
+            <a:off x="705852" y="0"/>
+            <a:ext cx="9601200" cy="300789"/>
+          </a:xfrm>
+        </p:spPr>
+        <p:txBody>
+          <a:bodyPr>
+            <a:normAutofit fontScale="90000"/>
+          </a:bodyPr>
+          <a:lstStyle/>
+          <a:p>
+            <a:r>
+              <a:rPr lang="ko-KR" altLang="en-US" sz="1800" dirty="0"/>
+              <a:t>파이썬 다운로드</a:t>
+            </a:r>
+            <a:r>
+              <a:rPr lang="en-US" altLang="ko-KR" sz="1800" dirty="0"/>
+              <a:t>,</a:t>
+            </a:r>
+            <a:r>
+              <a:rPr lang="ko-KR" altLang="en-US" sz="1800" dirty="0"/>
+              <a:t> 설치 </a:t>
+            </a:r>
+            <a:r>
+              <a:rPr lang="en-US" altLang="ko-KR" sz="1800" dirty="0"/>
+              <a:t>&amp; </a:t>
+            </a:r>
+            <a:r>
+              <a:rPr lang="ko-KR" altLang="en-US" sz="1800" dirty="0"/>
+              <a:t>실행</a:t>
+            </a:r>
+          </a:p>
+        </p:txBody>
+      </p:sp>
       <p:pic>
         <p:nvPicPr>
-          <p:cNvPr id="4" name="그림 3"/>
+          <p:cNvPr id="3" name="그림 2">
+            <a:extLst>
+              <a:ext uri="{FF2B5EF4-FFF2-40B4-BE49-F238E27FC236}">
+                <a16:creationId xmlns:a16="http://schemas.microsoft.com/office/drawing/2014/main" id="{E6EA82B2-7A11-BF70-772B-B259AD8DC23A}"/>
+              </a:ext>
+            </a:extLst>
+          </p:cNvPr>
           <p:cNvPicPr>
             <a:picLocks noChangeAspect="1"/>
           </p:cNvPicPr>
@@ -4889,8 +6234,8 @@
         </p:blipFill>
         <p:spPr>
           <a:xfrm>
-            <a:off x="719942" y="421105"/>
-            <a:ext cx="11472058" cy="6436895"/>
+            <a:off x="2630465" y="545294"/>
+            <a:ext cx="7586383" cy="6312706"/>
           </a:xfrm>
           <a:prstGeom prst="rect">
             <a:avLst/>
@@ -4899,63 +6244,20 @@
       </p:pic>
       <p:sp>
         <p:nvSpPr>
-          <p:cNvPr id="5" name="제목 1"/>
-          <p:cNvSpPr>
-            <a:spLocks noGrp="1"/>
-          </p:cNvSpPr>
-          <p:nvPr>
-            <p:ph type="title"/>
-          </p:nvPr>
-        </p:nvSpPr>
-        <p:spPr>
-          <a:xfrm>
-            <a:off x="705852" y="0"/>
-            <a:ext cx="9601200" cy="300789"/>
-          </a:xfrm>
-        </p:spPr>
-        <p:txBody>
-          <a:bodyPr>
-            <a:normAutofit fontScale="90000"/>
-          </a:bodyPr>
-          <a:lstStyle/>
-          <a:p>
-            <a:r>
-              <a:rPr lang="ko-KR" altLang="en-US" sz="1800" dirty="0" err="1"/>
-              <a:t>파이썬</a:t>
-            </a:r>
-            <a:r>
-              <a:rPr lang="ko-KR" altLang="en-US" sz="1800" dirty="0"/>
-              <a:t> 다운로드</a:t>
-            </a:r>
-            <a:r>
-              <a:rPr lang="en-US" altLang="ko-KR" sz="1800" dirty="0"/>
-              <a:t>,</a:t>
-            </a:r>
-            <a:r>
-              <a:rPr lang="ko-KR" altLang="en-US" sz="1800" dirty="0"/>
-              <a:t> 설치 </a:t>
-            </a:r>
-            <a:r>
-              <a:rPr lang="en-US" altLang="ko-KR" sz="1800" dirty="0"/>
-              <a:t>&amp; </a:t>
-            </a:r>
-            <a:r>
-              <a:rPr lang="ko-KR" altLang="en-US" sz="1800" dirty="0"/>
-              <a:t>실행</a:t>
-            </a:r>
-          </a:p>
-        </p:txBody>
-      </p:sp>
-      <p:sp>
-        <p:nvSpPr>
-          <p:cNvPr id="6" name="직사각형 5"/>
+          <p:cNvPr id="4" name="직사각형 3">
+            <a:extLst>
+              <a:ext uri="{FF2B5EF4-FFF2-40B4-BE49-F238E27FC236}">
+                <a16:creationId xmlns:a16="http://schemas.microsoft.com/office/drawing/2014/main" id="{A4AF4E6D-39BC-3FE5-1984-2FF1DA4D42E4}"/>
+              </a:ext>
+            </a:extLst>
+          </p:cNvPr>
           <p:cNvSpPr/>
           <p:nvPr/>
         </p:nvSpPr>
         <p:spPr>
           <a:xfrm>
-            <a:off x="5506452" y="3400926"/>
-            <a:ext cx="1632285" cy="2205790"/>
+            <a:off x="2868460" y="2054268"/>
+            <a:ext cx="1841326" cy="1189973"/>
           </a:xfrm>
           <a:prstGeom prst="rect">
             <a:avLst/>
@@ -4992,46 +6294,22 @@
           </a:p>
         </p:txBody>
       </p:sp>
-      <p:cxnSp>
-        <p:nvCxnSpPr>
-          <p:cNvPr id="8" name="직선 연결선 7"/>
-          <p:cNvCxnSpPr/>
-          <p:nvPr/>
-        </p:nvCxnSpPr>
-        <p:spPr>
-          <a:xfrm flipV="1">
-            <a:off x="7138737" y="3023937"/>
-            <a:ext cx="2109537" cy="376989"/>
-          </a:xfrm>
-          <a:prstGeom prst="line">
-            <a:avLst/>
-          </a:prstGeom>
-        </p:spPr>
-        <p:style>
-          <a:lnRef idx="1">
-            <a:schemeClr val="accent1"/>
-          </a:lnRef>
-          <a:fillRef idx="0">
-            <a:schemeClr val="accent1"/>
-          </a:fillRef>
-          <a:effectRef idx="0">
-            <a:schemeClr val="accent1"/>
-          </a:effectRef>
-          <a:fontRef idx="minor">
-            <a:schemeClr val="tx1"/>
-          </a:fontRef>
-        </p:style>
-      </p:cxnSp>
-      <p:sp>
-        <p:nvSpPr>
-          <p:cNvPr id="9" name="TextBox 8"/>
+      <p:sp>
+        <p:nvSpPr>
+          <p:cNvPr id="6" name="TextBox 5">
+            <a:extLst>
+              <a:ext uri="{FF2B5EF4-FFF2-40B4-BE49-F238E27FC236}">
+                <a16:creationId xmlns:a16="http://schemas.microsoft.com/office/drawing/2014/main" id="{436952F6-6952-F63A-FFB7-1A8B2D3A4818}"/>
+              </a:ext>
+            </a:extLst>
+          </p:cNvPr>
           <p:cNvSpPr txBox="1"/>
           <p:nvPr/>
         </p:nvSpPr>
         <p:spPr>
           <a:xfrm>
-            <a:off x="9248274" y="2779113"/>
-            <a:ext cx="665747" cy="369332"/>
+            <a:off x="1377863" y="2505205"/>
+            <a:ext cx="1114816" cy="369332"/>
           </a:xfrm>
           <a:prstGeom prst="rect">
             <a:avLst/>
@@ -5045,8 +6323,8 @@
           <a:lstStyle/>
           <a:p>
             <a:r>
-              <a:rPr lang="ko-KR" altLang="en-US"/>
-              <a:t>클릭</a:t>
+              <a:rPr lang="ko-KR" altLang="en-US" dirty="0"/>
+              <a:t>설치</a:t>
             </a:r>
           </a:p>
         </p:txBody>
@@ -5054,7 +6332,7 @@
     </p:spTree>
     <p:extLst>
       <p:ext uri="{BB962C8B-B14F-4D97-AF65-F5344CB8AC3E}">
-        <p14:creationId xmlns:p14="http://schemas.microsoft.com/office/powerpoint/2010/main" val="980650345"/>
+        <p14:creationId xmlns:p14="http://schemas.microsoft.com/office/powerpoint/2010/main" val="3246115647"/>
       </p:ext>
     </p:extLst>
   </p:cSld>
@@ -5104,12 +6382,8 @@
           <a:lstStyle/>
           <a:p>
             <a:r>
-              <a:rPr lang="ko-KR" altLang="en-US" sz="1800" dirty="0" err="1"/>
-              <a:t>파이썬</a:t>
-            </a:r>
-            <a:r>
               <a:rPr lang="ko-KR" altLang="en-US" sz="1800" dirty="0"/>
-              <a:t> 다운로드</a:t>
+              <a:t>파이썬 다운로드</a:t>
             </a:r>
             <a:r>
               <a:rPr lang="en-US" altLang="ko-KR" sz="1800" dirty="0"/>
@@ -5132,7 +6406,13 @@
       </p:sp>
       <p:pic>
         <p:nvPicPr>
-          <p:cNvPr id="10" name="그림 9"/>
+          <p:cNvPr id="3" name="그림 2">
+            <a:extLst>
+              <a:ext uri="{FF2B5EF4-FFF2-40B4-BE49-F238E27FC236}">
+                <a16:creationId xmlns:a16="http://schemas.microsoft.com/office/drawing/2014/main" id="{11A3421A-E06C-4FF3-F197-FD94334C57A0}"/>
+              </a:ext>
+            </a:extLst>
+          </p:cNvPr>
           <p:cNvPicPr>
             <a:picLocks noChangeAspect="1"/>
           </p:cNvPicPr>
@@ -5146,8 +6426,8 @@
         </p:blipFill>
         <p:spPr>
           <a:xfrm>
-            <a:off x="2473368" y="300789"/>
-            <a:ext cx="7549097" cy="6499058"/>
+            <a:off x="2680570" y="447624"/>
+            <a:ext cx="7125935" cy="6220328"/>
           </a:xfrm>
           <a:prstGeom prst="rect">
             <a:avLst/>
@@ -5156,14 +6436,20 @@
       </p:pic>
       <p:sp>
         <p:nvSpPr>
-          <p:cNvPr id="11" name="직사각형 10"/>
+          <p:cNvPr id="4" name="직사각형 3">
+            <a:extLst>
+              <a:ext uri="{FF2B5EF4-FFF2-40B4-BE49-F238E27FC236}">
+                <a16:creationId xmlns:a16="http://schemas.microsoft.com/office/drawing/2014/main" id="{607738F0-079E-FD9C-ED39-9306BC35F1C4}"/>
+              </a:ext>
+            </a:extLst>
+          </p:cNvPr>
           <p:cNvSpPr/>
           <p:nvPr/>
         </p:nvSpPr>
         <p:spPr>
           <a:xfrm>
-            <a:off x="2566737" y="553453"/>
-            <a:ext cx="240631" cy="216568"/>
+            <a:off x="2680570" y="1653436"/>
+            <a:ext cx="3131507" cy="663879"/>
           </a:xfrm>
           <a:prstGeom prst="rect">
             <a:avLst/>
@@ -5202,14 +6488,59 @@
       </p:sp>
       <p:sp>
         <p:nvSpPr>
-          <p:cNvPr id="12" name="직사각형 11"/>
+          <p:cNvPr id="6" name="TextBox 5">
+            <a:extLst>
+              <a:ext uri="{FF2B5EF4-FFF2-40B4-BE49-F238E27FC236}">
+                <a16:creationId xmlns:a16="http://schemas.microsoft.com/office/drawing/2014/main" id="{452CB6CC-E5BF-7F9A-4793-CB0F71BBEA15}"/>
+              </a:ext>
+            </a:extLst>
+          </p:cNvPr>
+          <p:cNvSpPr txBox="1"/>
+          <p:nvPr/>
+        </p:nvSpPr>
+        <p:spPr>
+          <a:xfrm>
+            <a:off x="1402915" y="1778696"/>
+            <a:ext cx="1277655" cy="369332"/>
+          </a:xfrm>
+          <a:prstGeom prst="rect">
+            <a:avLst/>
+          </a:prstGeom>
+          <a:noFill/>
+        </p:spPr>
+        <p:txBody>
+          <a:bodyPr wrap="square" rtlCol="0">
+            <a:spAutoFit/>
+          </a:bodyPr>
+          <a:lstStyle/>
+          <a:p>
+            <a:r>
+              <a:rPr lang="en-US" altLang="ko-KR" dirty="0"/>
+              <a:t>2. </a:t>
+            </a:r>
+            <a:r>
+              <a:rPr lang="ko-KR" altLang="en-US" dirty="0"/>
+              <a:t>클릭</a:t>
+            </a:r>
+          </a:p>
+        </p:txBody>
+      </p:sp>
+      <p:sp>
+        <p:nvSpPr>
+          <p:cNvPr id="7" name="직사각형 6">
+            <a:extLst>
+              <a:ext uri="{FF2B5EF4-FFF2-40B4-BE49-F238E27FC236}">
+                <a16:creationId xmlns:a16="http://schemas.microsoft.com/office/drawing/2014/main" id="{58B1E4CE-5D86-2E87-6816-794B76C08B8D}"/>
+              </a:ext>
+            </a:extLst>
+          </p:cNvPr>
           <p:cNvSpPr/>
           <p:nvPr/>
         </p:nvSpPr>
         <p:spPr>
           <a:xfrm>
-            <a:off x="2566737" y="737937"/>
-            <a:ext cx="2117558" cy="216568"/>
+            <a:off x="2680570" y="6300592"/>
+            <a:ext cx="1152394" cy="367360"/>
           </a:xfrm>
           <a:prstGeom prst="rect">
             <a:avLst/>
@@ -5248,95 +6579,25 @@
       </p:sp>
       <p:sp>
         <p:nvSpPr>
-          <p:cNvPr id="13" name="직사각형 12"/>
-          <p:cNvSpPr/>
+          <p:cNvPr id="8" name="TextBox 7">
+            <a:extLst>
+              <a:ext uri="{FF2B5EF4-FFF2-40B4-BE49-F238E27FC236}">
+                <a16:creationId xmlns:a16="http://schemas.microsoft.com/office/drawing/2014/main" id="{32A9BF3B-0102-5855-A13F-17CB0E9C01F8}"/>
+              </a:ext>
+            </a:extLst>
+          </p:cNvPr>
+          <p:cNvSpPr txBox="1"/>
           <p:nvPr/>
         </p:nvSpPr>
         <p:spPr>
           <a:xfrm>
-            <a:off x="4660232" y="890337"/>
-            <a:ext cx="882315" cy="248651"/>
+            <a:off x="914400" y="6300592"/>
+            <a:ext cx="1653436" cy="369332"/>
           </a:xfrm>
           <a:prstGeom prst="rect">
             <a:avLst/>
           </a:prstGeom>
           <a:noFill/>
-          <a:ln>
-            <a:solidFill>
-              <a:srgbClr val="FF0000"/>
-            </a:solidFill>
-          </a:ln>
-        </p:spPr>
-        <p:style>
-          <a:lnRef idx="2">
-            <a:schemeClr val="accent1">
-              <a:shade val="50000"/>
-            </a:schemeClr>
-          </a:lnRef>
-          <a:fillRef idx="1">
-            <a:schemeClr val="accent1"/>
-          </a:fillRef>
-          <a:effectRef idx="0">
-            <a:schemeClr val="accent1"/>
-          </a:effectRef>
-          <a:fontRef idx="minor">
-            <a:schemeClr val="lt1"/>
-          </a:fontRef>
-        </p:style>
-        <p:txBody>
-          <a:bodyPr rtlCol="0" anchor="ctr"/>
-          <a:lstStyle/>
-          <a:p>
-            <a:pPr algn="ctr"/>
-            <a:endParaRPr lang="ko-KR" altLang="en-US"/>
-          </a:p>
-        </p:txBody>
-      </p:sp>
-      <p:cxnSp>
-        <p:nvCxnSpPr>
-          <p:cNvPr id="17" name="직선 연결선 16"/>
-          <p:cNvCxnSpPr/>
-          <p:nvPr/>
-        </p:nvCxnSpPr>
-        <p:spPr>
-          <a:xfrm flipH="1" flipV="1">
-            <a:off x="2021305" y="601578"/>
-            <a:ext cx="545432" cy="80211"/>
-          </a:xfrm>
-          <a:prstGeom prst="line">
-            <a:avLst/>
-          </a:prstGeom>
-        </p:spPr>
-        <p:style>
-          <a:lnRef idx="1">
-            <a:schemeClr val="accent1"/>
-          </a:lnRef>
-          <a:fillRef idx="0">
-            <a:schemeClr val="accent1"/>
-          </a:fillRef>
-          <a:effectRef idx="0">
-            <a:schemeClr val="accent1"/>
-          </a:effectRef>
-          <a:fontRef idx="minor">
-            <a:schemeClr val="tx1"/>
-          </a:fontRef>
-        </p:style>
-      </p:cxnSp>
-      <p:sp>
-        <p:nvSpPr>
-          <p:cNvPr id="18" name="TextBox 17"/>
-          <p:cNvSpPr txBox="1"/>
-          <p:nvPr/>
-        </p:nvSpPr>
-        <p:spPr>
-          <a:xfrm>
-            <a:off x="1652337" y="392668"/>
-            <a:ext cx="368968" cy="369332"/>
-          </a:xfrm>
-          <a:prstGeom prst="rect">
-            <a:avLst/>
-          </a:prstGeom>
-          <a:noFill/>
         </p:spPr>
         <p:txBody>
           <a:bodyPr wrap="square" rtlCol="0">
@@ -5346,161 +6607,11 @@
           <a:p>
             <a:r>
               <a:rPr lang="en-US" altLang="ko-KR" dirty="0"/>
-              <a:t>1</a:t>
-            </a:r>
-            <a:endParaRPr lang="ko-KR" altLang="en-US" dirty="0"/>
-          </a:p>
-        </p:txBody>
-      </p:sp>
-      <p:cxnSp>
-        <p:nvCxnSpPr>
-          <p:cNvPr id="20" name="직선 연결선 19"/>
-          <p:cNvCxnSpPr>
-            <a:stCxn id="12" idx="1"/>
-          </p:cNvCxnSpPr>
-          <p:nvPr/>
-        </p:nvCxnSpPr>
-        <p:spPr>
-          <a:xfrm flipH="1">
-            <a:off x="2021305" y="846221"/>
-            <a:ext cx="545432" cy="397042"/>
-          </a:xfrm>
-          <a:prstGeom prst="line">
-            <a:avLst/>
-          </a:prstGeom>
-        </p:spPr>
-        <p:style>
-          <a:lnRef idx="1">
-            <a:schemeClr val="accent1"/>
-          </a:lnRef>
-          <a:fillRef idx="0">
-            <a:schemeClr val="accent1"/>
-          </a:fillRef>
-          <a:effectRef idx="0">
-            <a:schemeClr val="accent1"/>
-          </a:effectRef>
-          <a:fontRef idx="minor">
-            <a:schemeClr val="tx1"/>
-          </a:fontRef>
-        </p:style>
-      </p:cxnSp>
-      <p:cxnSp>
-        <p:nvCxnSpPr>
-          <p:cNvPr id="22" name="직선 연결선 21"/>
-          <p:cNvCxnSpPr>
-            <a:stCxn id="13" idx="3"/>
-          </p:cNvCxnSpPr>
-          <p:nvPr/>
-        </p:nvCxnSpPr>
-        <p:spPr>
-          <a:xfrm flipV="1">
-            <a:off x="5542547" y="729914"/>
-            <a:ext cx="850232" cy="284749"/>
-          </a:xfrm>
-          <a:prstGeom prst="line">
-            <a:avLst/>
-          </a:prstGeom>
-        </p:spPr>
-        <p:style>
-          <a:lnRef idx="1">
-            <a:schemeClr val="accent1"/>
-          </a:lnRef>
-          <a:fillRef idx="0">
-            <a:schemeClr val="accent1"/>
-          </a:fillRef>
-          <a:effectRef idx="0">
-            <a:schemeClr val="accent1"/>
-          </a:effectRef>
-          <a:fontRef idx="minor">
-            <a:schemeClr val="tx1"/>
-          </a:fontRef>
-        </p:style>
-      </p:cxnSp>
-      <p:sp>
-        <p:nvSpPr>
-          <p:cNvPr id="23" name="TextBox 22"/>
-          <p:cNvSpPr txBox="1"/>
-          <p:nvPr/>
-        </p:nvSpPr>
-        <p:spPr>
-          <a:xfrm>
-            <a:off x="1740568" y="1058597"/>
-            <a:ext cx="272716" cy="369332"/>
-          </a:xfrm>
-          <a:prstGeom prst="rect">
-            <a:avLst/>
-          </a:prstGeom>
-          <a:noFill/>
-        </p:spPr>
-        <p:txBody>
-          <a:bodyPr wrap="square" rtlCol="0">
-            <a:spAutoFit/>
-          </a:bodyPr>
-          <a:lstStyle/>
-          <a:p>
-            <a:r>
-              <a:rPr lang="en-US" altLang="ko-KR" dirty="0"/>
-              <a:t>2</a:t>
-            </a:r>
-            <a:endParaRPr lang="ko-KR" altLang="en-US" dirty="0"/>
-          </a:p>
-        </p:txBody>
-      </p:sp>
-      <p:sp>
-        <p:nvSpPr>
-          <p:cNvPr id="25" name="TextBox 24"/>
-          <p:cNvSpPr txBox="1"/>
-          <p:nvPr/>
-        </p:nvSpPr>
-        <p:spPr>
-          <a:xfrm>
-            <a:off x="6392779" y="460846"/>
-            <a:ext cx="304800" cy="369332"/>
-          </a:xfrm>
-          <a:prstGeom prst="rect">
-            <a:avLst/>
-          </a:prstGeom>
-          <a:noFill/>
-        </p:spPr>
-        <p:txBody>
-          <a:bodyPr wrap="square" rtlCol="0">
-            <a:spAutoFit/>
-          </a:bodyPr>
-          <a:lstStyle/>
-          <a:p>
-            <a:r>
-              <a:rPr lang="en-US" altLang="ko-KR" dirty="0"/>
-              <a:t>3</a:t>
-            </a:r>
-            <a:endParaRPr lang="ko-KR" altLang="en-US" dirty="0"/>
-          </a:p>
-        </p:txBody>
-      </p:sp>
-      <p:sp>
-        <p:nvSpPr>
-          <p:cNvPr id="26" name="TextBox 25"/>
-          <p:cNvSpPr txBox="1"/>
-          <p:nvPr/>
-        </p:nvSpPr>
-        <p:spPr>
-          <a:xfrm>
-            <a:off x="10154653" y="2534653"/>
-            <a:ext cx="1957136" cy="369332"/>
-          </a:xfrm>
-          <a:prstGeom prst="rect">
-            <a:avLst/>
-          </a:prstGeom>
-          <a:noFill/>
-        </p:spPr>
-        <p:txBody>
-          <a:bodyPr wrap="square" rtlCol="0">
-            <a:spAutoFit/>
-          </a:bodyPr>
-          <a:lstStyle/>
-          <a:p>
+              <a:t>1. Python </a:t>
+            </a:r>
             <a:r>
               <a:rPr lang="ko-KR" altLang="en-US" dirty="0"/>
-              <a:t>순서대로 클릭</a:t>
+              <a:t>검색</a:t>
             </a:r>
           </a:p>
         </p:txBody>
@@ -5508,7 +6619,7 @@
     </p:spTree>
     <p:extLst>
       <p:ext uri="{BB962C8B-B14F-4D97-AF65-F5344CB8AC3E}">
-        <p14:creationId xmlns:p14="http://schemas.microsoft.com/office/powerpoint/2010/main" val="3281796740"/>
+        <p14:creationId xmlns:p14="http://schemas.microsoft.com/office/powerpoint/2010/main" val="489359887"/>
       </p:ext>
     </p:extLst>
   </p:cSld>
@@ -5558,12 +6669,8 @@
           <a:lstStyle/>
           <a:p>
             <a:r>
-              <a:rPr lang="ko-KR" altLang="en-US" sz="1800" dirty="0" err="1"/>
-              <a:t>파이썬</a:t>
-            </a:r>
-            <a:r>
               <a:rPr lang="ko-KR" altLang="en-US" sz="1800" dirty="0"/>
-              <a:t> 다운로드</a:t>
+              <a:t>파이썬 다운로드</a:t>
             </a:r>
             <a:r>
               <a:rPr lang="en-US" altLang="ko-KR" sz="1800" dirty="0"/>
@@ -5586,7 +6693,13 @@
       </p:sp>
       <p:pic>
         <p:nvPicPr>
-          <p:cNvPr id="2" name="그림 1"/>
+          <p:cNvPr id="4" name="그림 3">
+            <a:extLst>
+              <a:ext uri="{FF2B5EF4-FFF2-40B4-BE49-F238E27FC236}">
+                <a16:creationId xmlns:a16="http://schemas.microsoft.com/office/drawing/2014/main" id="{DF792D5A-944A-D015-7D39-F1055A325D11}"/>
+              </a:ext>
+            </a:extLst>
+          </p:cNvPr>
           <p:cNvPicPr>
             <a:picLocks noChangeAspect="1"/>
           </p:cNvPicPr>
@@ -5600,8 +6713,8 @@
         </p:blipFill>
         <p:spPr>
           <a:xfrm>
-            <a:off x="1042736" y="300789"/>
-            <a:ext cx="10858751" cy="6413700"/>
+            <a:off x="1423335" y="980733"/>
+            <a:ext cx="9345329" cy="4896533"/>
           </a:xfrm>
           <a:prstGeom prst="rect">
             <a:avLst/>
@@ -5610,97 +6723,25 @@
       </p:pic>
       <p:sp>
         <p:nvSpPr>
-          <p:cNvPr id="3" name="직사각형 2"/>
-          <p:cNvSpPr/>
+          <p:cNvPr id="6" name="TextBox 5">
+            <a:extLst>
+              <a:ext uri="{FF2B5EF4-FFF2-40B4-BE49-F238E27FC236}">
+                <a16:creationId xmlns:a16="http://schemas.microsoft.com/office/drawing/2014/main" id="{26CAC470-FF90-A13D-58C6-593772D2A04D}"/>
+              </a:ext>
+            </a:extLst>
+          </p:cNvPr>
+          <p:cNvSpPr txBox="1"/>
           <p:nvPr/>
         </p:nvSpPr>
         <p:spPr>
           <a:xfrm>
-            <a:off x="6849979" y="5317958"/>
-            <a:ext cx="729916" cy="401053"/>
+            <a:off x="5060515" y="6118799"/>
+            <a:ext cx="4334005" cy="369332"/>
           </a:xfrm>
           <a:prstGeom prst="rect">
             <a:avLst/>
           </a:prstGeom>
           <a:noFill/>
-          <a:ln>
-            <a:solidFill>
-              <a:srgbClr val="FF0000"/>
-            </a:solidFill>
-          </a:ln>
-        </p:spPr>
-        <p:style>
-          <a:lnRef idx="2">
-            <a:schemeClr val="accent1">
-              <a:shade val="50000"/>
-            </a:schemeClr>
-          </a:lnRef>
-          <a:fillRef idx="1">
-            <a:schemeClr val="accent1"/>
-          </a:fillRef>
-          <a:effectRef idx="0">
-            <a:schemeClr val="accent1"/>
-          </a:effectRef>
-          <a:fontRef idx="minor">
-            <a:schemeClr val="lt1"/>
-          </a:fontRef>
-        </p:style>
-        <p:txBody>
-          <a:bodyPr rtlCol="0" anchor="ctr"/>
-          <a:lstStyle/>
-          <a:p>
-            <a:pPr algn="ctr"/>
-            <a:endParaRPr lang="ko-KR" altLang="en-US"/>
-          </a:p>
-        </p:txBody>
-      </p:sp>
-      <p:cxnSp>
-        <p:nvCxnSpPr>
-          <p:cNvPr id="10" name="직선 연결선 9"/>
-          <p:cNvCxnSpPr>
-            <a:stCxn id="3" idx="3"/>
-          </p:cNvCxnSpPr>
-          <p:nvPr/>
-        </p:nvCxnSpPr>
-        <p:spPr>
-          <a:xfrm flipV="1">
-            <a:off x="7579895" y="5149516"/>
-            <a:ext cx="1203158" cy="368969"/>
-          </a:xfrm>
-          <a:prstGeom prst="line">
-            <a:avLst/>
-          </a:prstGeom>
-        </p:spPr>
-        <p:style>
-          <a:lnRef idx="1">
-            <a:schemeClr val="accent1"/>
-          </a:lnRef>
-          <a:fillRef idx="0">
-            <a:schemeClr val="accent1"/>
-          </a:fillRef>
-          <a:effectRef idx="0">
-            <a:schemeClr val="accent1"/>
-          </a:effectRef>
-          <a:fontRef idx="minor">
-            <a:schemeClr val="tx1"/>
-          </a:fontRef>
-        </p:style>
-      </p:cxnSp>
-      <p:sp>
-        <p:nvSpPr>
-          <p:cNvPr id="11" name="TextBox 10"/>
-          <p:cNvSpPr txBox="1"/>
-          <p:nvPr/>
-        </p:nvSpPr>
-        <p:spPr>
-          <a:xfrm>
-            <a:off x="8815138" y="4924926"/>
-            <a:ext cx="697832" cy="369332"/>
-          </a:xfrm>
-          <a:prstGeom prst="rect">
-            <a:avLst/>
-          </a:prstGeom>
-          <a:noFill/>
         </p:spPr>
         <p:txBody>
           <a:bodyPr wrap="square" rtlCol="0">
@@ -5710,7 +6751,7 @@
           <a:p>
             <a:r>
               <a:rPr lang="ko-KR" altLang="en-US"/>
-              <a:t>클릭</a:t>
+              <a:t>프롬프트 창 실행</a:t>
             </a:r>
           </a:p>
         </p:txBody>
@@ -5718,7 +6759,7 @@
     </p:spTree>
     <p:extLst>
       <p:ext uri="{BB962C8B-B14F-4D97-AF65-F5344CB8AC3E}">
-        <p14:creationId xmlns:p14="http://schemas.microsoft.com/office/powerpoint/2010/main" val="1064692050"/>
+        <p14:creationId xmlns:p14="http://schemas.microsoft.com/office/powerpoint/2010/main" val="3373799885"/>
       </p:ext>
     </p:extLst>
   </p:cSld>
@@ -5747,7 +6788,7 @@
       </p:grpSpPr>
       <p:sp>
         <p:nvSpPr>
-          <p:cNvPr id="5" name="제목 1"/>
+          <p:cNvPr id="2" name="제목 1"/>
           <p:cNvSpPr>
             <a:spLocks noGrp="1"/>
           </p:cNvSpPr>
@@ -5757,7 +6798,7 @@
         </p:nvSpPr>
         <p:spPr>
           <a:xfrm>
-            <a:off x="705852" y="0"/>
+            <a:off x="721894" y="0"/>
             <a:ext cx="9601200" cy="300789"/>
           </a:xfrm>
         </p:spPr>
@@ -5768,29 +6809,14 @@
           <a:lstStyle/>
           <a:p>
             <a:r>
-              <a:rPr lang="ko-KR" altLang="en-US" sz="1800" dirty="0" err="1"/>
-              <a:t>파이썬</a:t>
-            </a:r>
-            <a:r>
-              <a:rPr lang="ko-KR" altLang="en-US" sz="1800" dirty="0"/>
-              <a:t> 다운로드</a:t>
+              <a:rPr lang="en-US" altLang="ko-KR" sz="1800" dirty="0" err="1"/>
+              <a:t>Jupyter</a:t>
             </a:r>
             <a:r>
               <a:rPr lang="en-US" altLang="ko-KR" sz="1800" dirty="0"/>
-              <a:t>,</a:t>
-            </a:r>
-            <a:r>
-              <a:rPr lang="ko-KR" altLang="en-US" sz="1800" dirty="0"/>
-              <a:t> 설치 </a:t>
-            </a:r>
-            <a:r>
-              <a:rPr lang="en-US" altLang="ko-KR" sz="1800" dirty="0"/>
-              <a:t>&amp; </a:t>
-            </a:r>
-            <a:r>
-              <a:rPr lang="ko-KR" altLang="en-US" sz="1800" dirty="0"/>
-              <a:t>실행</a:t>
-            </a:r>
+              <a:t> Notebook</a:t>
+            </a:r>
+            <a:endParaRPr lang="ko-KR" altLang="en-US" sz="1800" dirty="0"/>
           </a:p>
         </p:txBody>
       </p:sp>
@@ -5810,8 +6836,8 @@
         </p:blipFill>
         <p:spPr>
           <a:xfrm>
-            <a:off x="1518598" y="366285"/>
-            <a:ext cx="9154803" cy="6125430"/>
+            <a:off x="721894" y="397042"/>
+            <a:ext cx="10533220" cy="6358335"/>
           </a:xfrm>
           <a:prstGeom prst="rect">
             <a:avLst/>
@@ -5820,14 +6846,14 @@
       </p:pic>
       <p:sp>
         <p:nvSpPr>
-          <p:cNvPr id="6" name="TextBox 5"/>
+          <p:cNvPr id="5" name="TextBox 4"/>
           <p:cNvSpPr txBox="1"/>
           <p:nvPr/>
         </p:nvSpPr>
         <p:spPr>
           <a:xfrm>
-            <a:off x="5506452" y="3761873"/>
-            <a:ext cx="1171074" cy="369332"/>
+            <a:off x="6104021" y="1058779"/>
+            <a:ext cx="3200400" cy="369332"/>
           </a:xfrm>
           <a:prstGeom prst="rect">
             <a:avLst/>
@@ -5841,16 +6867,78 @@
           <a:lstStyle/>
           <a:p>
             <a:r>
-              <a:rPr lang="ko-KR" altLang="en-US"/>
-              <a:t>화면 등장</a:t>
-            </a:r>
+              <a:rPr lang="ko-KR" altLang="en-US" dirty="0" err="1"/>
+              <a:t>구글에</a:t>
+            </a:r>
+            <a:r>
+              <a:rPr lang="ko-KR" altLang="en-US" dirty="0"/>
+              <a:t> </a:t>
+            </a:r>
+            <a:r>
+              <a:rPr lang="en-US" altLang="ko-KR" dirty="0" err="1"/>
+              <a:t>Jupyter</a:t>
+            </a:r>
+            <a:r>
+              <a:rPr lang="en-US" altLang="ko-KR" dirty="0"/>
+              <a:t> Notebook </a:t>
+            </a:r>
+            <a:r>
+              <a:rPr lang="ko-KR" altLang="en-US" dirty="0"/>
+              <a:t>검색</a:t>
+            </a:r>
+          </a:p>
+        </p:txBody>
+      </p:sp>
+      <p:sp>
+        <p:nvSpPr>
+          <p:cNvPr id="6" name="직사각형 5"/>
+          <p:cNvSpPr/>
+          <p:nvPr/>
+        </p:nvSpPr>
+        <p:spPr>
+          <a:xfrm>
+            <a:off x="1909011" y="1138989"/>
+            <a:ext cx="786063" cy="176464"/>
+          </a:xfrm>
+          <a:prstGeom prst="rect">
+            <a:avLst/>
+          </a:prstGeom>
+          <a:noFill/>
+          <a:ln>
+            <a:solidFill>
+              <a:srgbClr val="FF0000"/>
+            </a:solidFill>
+          </a:ln>
+        </p:spPr>
+        <p:style>
+          <a:lnRef idx="2">
+            <a:schemeClr val="accent1">
+              <a:shade val="50000"/>
+            </a:schemeClr>
+          </a:lnRef>
+          <a:fillRef idx="1">
+            <a:schemeClr val="accent1"/>
+          </a:fillRef>
+          <a:effectRef idx="0">
+            <a:schemeClr val="accent1"/>
+          </a:effectRef>
+          <a:fontRef idx="minor">
+            <a:schemeClr val="lt1"/>
+          </a:fontRef>
+        </p:style>
+        <p:txBody>
+          <a:bodyPr rtlCol="0" anchor="ctr"/>
+          <a:lstStyle/>
+          <a:p>
+            <a:pPr algn="ctr"/>
+            <a:endParaRPr lang="ko-KR" altLang="en-US"/>
           </a:p>
         </p:txBody>
       </p:sp>
     </p:spTree>
     <p:extLst>
       <p:ext uri="{BB962C8B-B14F-4D97-AF65-F5344CB8AC3E}">
-        <p14:creationId xmlns:p14="http://schemas.microsoft.com/office/powerpoint/2010/main" val="1622000567"/>
+        <p14:creationId xmlns:p14="http://schemas.microsoft.com/office/powerpoint/2010/main" val="2568336094"/>
       </p:ext>
     </p:extLst>
   </p:cSld>
@@ -5879,7 +6967,7 @@
       </p:grpSpPr>
       <p:sp>
         <p:nvSpPr>
-          <p:cNvPr id="5" name="제목 1"/>
+          <p:cNvPr id="2" name="제목 1"/>
           <p:cNvSpPr>
             <a:spLocks noGrp="1"/>
           </p:cNvSpPr>
@@ -5889,7 +6977,7 @@
         </p:nvSpPr>
         <p:spPr>
           <a:xfrm>
-            <a:off x="705852" y="0"/>
+            <a:off x="721894" y="0"/>
             <a:ext cx="9601200" cy="300789"/>
           </a:xfrm>
         </p:spPr>
@@ -5900,15 +6988,20 @@
           <a:lstStyle/>
           <a:p>
             <a:r>
-              <a:rPr lang="ko-KR" altLang="en-US" sz="1800" dirty="0"/>
-              <a:t>대화식 모드 및 스크립트 모드</a:t>
-            </a:r>
+              <a:rPr lang="en-US" altLang="ko-KR" sz="1800" dirty="0" err="1"/>
+              <a:t>Jupyter</a:t>
+            </a:r>
+            <a:r>
+              <a:rPr lang="en-US" altLang="ko-KR" sz="1800" dirty="0"/>
+              <a:t> Notebook</a:t>
+            </a:r>
+            <a:endParaRPr lang="ko-KR" altLang="en-US" sz="1800" dirty="0"/>
           </a:p>
         </p:txBody>
       </p:sp>
       <p:pic>
         <p:nvPicPr>
-          <p:cNvPr id="2" name="그림 1"/>
+          <p:cNvPr id="6" name="그림 5"/>
           <p:cNvPicPr>
             <a:picLocks noChangeAspect="1"/>
           </p:cNvPicPr>
@@ -5922,42 +7015,125 @@
         </p:blipFill>
         <p:spPr>
           <a:xfrm>
-            <a:off x="1580520" y="990259"/>
-            <a:ext cx="9030960" cy="4877481"/>
+            <a:off x="721894" y="397042"/>
+            <a:ext cx="10533220" cy="6358335"/>
           </a:xfrm>
           <a:prstGeom prst="rect">
             <a:avLst/>
           </a:prstGeom>
         </p:spPr>
       </p:pic>
-      <p:pic>
-        <p:nvPicPr>
-          <p:cNvPr id="4" name="그림 3"/>
-          <p:cNvPicPr>
-            <a:picLocks noChangeAspect="1"/>
-          </p:cNvPicPr>
+      <p:sp>
+        <p:nvSpPr>
+          <p:cNvPr id="3" name="직사각형 2"/>
+          <p:cNvSpPr/>
           <p:nvPr/>
-        </p:nvPicPr>
-        <p:blipFill>
-          <a:blip r:embed="rId3"/>
-          <a:stretch>
-            <a:fillRect/>
-          </a:stretch>
-        </p:blipFill>
-        <p:spPr>
-          <a:xfrm>
-            <a:off x="598874" y="2174101"/>
-            <a:ext cx="1702796" cy="2221037"/>
+        </p:nvSpPr>
+        <p:spPr>
+          <a:xfrm>
+            <a:off x="1892968" y="2149642"/>
+            <a:ext cx="1050758" cy="240632"/>
           </a:xfrm>
           <a:prstGeom prst="rect">
             <a:avLst/>
           </a:prstGeom>
-        </p:spPr>
-      </p:pic>
+          <a:noFill/>
+          <a:ln>
+            <a:solidFill>
+              <a:srgbClr val="FF0000"/>
+            </a:solidFill>
+          </a:ln>
+        </p:spPr>
+        <p:style>
+          <a:lnRef idx="2">
+            <a:schemeClr val="accent1">
+              <a:shade val="50000"/>
+            </a:schemeClr>
+          </a:lnRef>
+          <a:fillRef idx="1">
+            <a:schemeClr val="accent1"/>
+          </a:fillRef>
+          <a:effectRef idx="0">
+            <a:schemeClr val="accent1"/>
+          </a:effectRef>
+          <a:fontRef idx="minor">
+            <a:schemeClr val="lt1"/>
+          </a:fontRef>
+        </p:style>
+        <p:txBody>
+          <a:bodyPr rtlCol="0" anchor="ctr"/>
+          <a:lstStyle/>
+          <a:p>
+            <a:pPr algn="ctr"/>
+            <a:endParaRPr lang="ko-KR" altLang="en-US"/>
+          </a:p>
+        </p:txBody>
+      </p:sp>
+      <p:cxnSp>
+        <p:nvCxnSpPr>
+          <p:cNvPr id="10" name="직선 연결선 9"/>
+          <p:cNvCxnSpPr>
+            <a:stCxn id="3" idx="3"/>
+          </p:cNvCxnSpPr>
+          <p:nvPr/>
+        </p:nvCxnSpPr>
+        <p:spPr>
+          <a:xfrm flipV="1">
+            <a:off x="2943726" y="2061411"/>
+            <a:ext cx="521369" cy="208547"/>
+          </a:xfrm>
+          <a:prstGeom prst="line">
+            <a:avLst/>
+          </a:prstGeom>
+        </p:spPr>
+        <p:style>
+          <a:lnRef idx="1">
+            <a:schemeClr val="accent1"/>
+          </a:lnRef>
+          <a:fillRef idx="0">
+            <a:schemeClr val="accent1"/>
+          </a:fillRef>
+          <a:effectRef idx="0">
+            <a:schemeClr val="accent1"/>
+          </a:effectRef>
+          <a:fontRef idx="minor">
+            <a:schemeClr val="tx1"/>
+          </a:fontRef>
+        </p:style>
+      </p:cxnSp>
+      <p:sp>
+        <p:nvSpPr>
+          <p:cNvPr id="12" name="TextBox 11"/>
+          <p:cNvSpPr txBox="1"/>
+          <p:nvPr/>
+        </p:nvSpPr>
+        <p:spPr>
+          <a:xfrm>
+            <a:off x="3473116" y="1876745"/>
+            <a:ext cx="649705" cy="369332"/>
+          </a:xfrm>
+          <a:prstGeom prst="rect">
+            <a:avLst/>
+          </a:prstGeom>
+          <a:noFill/>
+        </p:spPr>
+        <p:txBody>
+          <a:bodyPr wrap="square" rtlCol="0">
+            <a:spAutoFit/>
+          </a:bodyPr>
+          <a:lstStyle/>
+          <a:p>
+            <a:r>
+              <a:rPr lang="ko-KR" altLang="en-US" dirty="0"/>
+              <a:t>클릭</a:t>
+            </a:r>
+          </a:p>
+        </p:txBody>
+      </p:sp>
     </p:spTree>
     <p:extLst>
       <p:ext uri="{BB962C8B-B14F-4D97-AF65-F5344CB8AC3E}">
-        <p14:creationId xmlns:p14="http://schemas.microsoft.com/office/powerpoint/2010/main" val="3053681467"/>
+        <p14:creationId xmlns:p14="http://schemas.microsoft.com/office/powerpoint/2010/main" val="2836450880"/>
       </p:ext>
     </p:extLst>
   </p:cSld>
